--- a/KennzahlenFinalVersion.pptx
+++ b/KennzahlenFinalVersion.pptx
@@ -5,10 +5,10 @@
     <p:sldMasterId id="2147483828" r:id="rId4"/>
   </p:sldMasterIdLst>
   <p:notesMasterIdLst>
-    <p:notesMasterId r:id="rId49"/>
+    <p:notesMasterId r:id="rId51"/>
   </p:notesMasterIdLst>
   <p:handoutMasterIdLst>
-    <p:handoutMasterId r:id="rId50"/>
+    <p:handoutMasterId r:id="rId52"/>
   </p:handoutMasterIdLst>
   <p:sldIdLst>
     <p:sldId id="304" r:id="rId5"/>
@@ -48,13 +48,15 @@
     <p:sldId id="317" r:id="rId39"/>
     <p:sldId id="318" r:id="rId40"/>
     <p:sldId id="311" r:id="rId41"/>
-    <p:sldId id="320" r:id="rId42"/>
-    <p:sldId id="321" r:id="rId43"/>
-    <p:sldId id="322" r:id="rId44"/>
-    <p:sldId id="296" r:id="rId45"/>
-    <p:sldId id="305" r:id="rId46"/>
-    <p:sldId id="306" r:id="rId47"/>
-    <p:sldId id="319" r:id="rId48"/>
+    <p:sldId id="323" r:id="rId42"/>
+    <p:sldId id="324" r:id="rId43"/>
+    <p:sldId id="320" r:id="rId44"/>
+    <p:sldId id="321" r:id="rId45"/>
+    <p:sldId id="322" r:id="rId46"/>
+    <p:sldId id="296" r:id="rId47"/>
+    <p:sldId id="305" r:id="rId48"/>
+    <p:sldId id="306" r:id="rId49"/>
+    <p:sldId id="319" r:id="rId50"/>
   </p:sldIdLst>
   <p:sldSz cx="12192000" cy="6858000"/>
   <p:notesSz cx="6858000" cy="9144000"/>
@@ -7960,7 +7962,7 @@
       </p:grpSpPr>
       <p:sp>
         <p:nvSpPr>
-          <p:cNvPr id="2" name="Slide Image Placeholder 1"/>
+          <p:cNvPr id="2" name="Folienbildplatzhalter 1"/>
           <p:cNvSpPr>
             <a:spLocks noGrp="1" noRot="1" noChangeAspect="1"/>
           </p:cNvSpPr>
@@ -7972,7 +7974,7 @@
       </p:sp>
       <p:sp>
         <p:nvSpPr>
-          <p:cNvPr id="3" name="Notes Placeholder 2"/>
+          <p:cNvPr id="3" name="Notizenplatzhalter 2"/>
           <p:cNvSpPr>
             <a:spLocks noGrp="1"/>
           </p:cNvSpPr>
@@ -7985,13 +7987,56 @@
           <a:bodyPr/>
           <a:lstStyle/>
           <a:p>
-            <a:endParaRPr lang="en-US" dirty="0"/>
+            <a:r>
+              <a:rPr lang="de-AT" sz="1200" b="0" i="0" kern="1200" dirty="0">
+                <a:solidFill>
+                  <a:schemeClr val="tx1"/>
+                </a:solidFill>
+                <a:effectLst/>
+                <a:latin typeface="+mn-lt"/>
+                <a:ea typeface="+mn-ea"/>
+                <a:cs typeface="+mn-cs"/>
+              </a:rPr>
+              <a:t>Die Geschäftsmodelle mögen sich in einem frühen Stadium befinden, aber der Trend geht in diese Richtung weiter. Uber hofft darauf, dass Autos in ein paar Jahren selbst fahren, das ist ein großer Kostenfaktor. Uber ist Markführer in einem stark wachsenden Markt. Deswegen sind diese Aktien sehr begehrt, auch wenn nicht direkt absehbar ist, wann es Gewinn gibt.</a:t>
+            </a:r>
+          </a:p>
+          <a:p>
+            <a:endParaRPr lang="de-AT" sz="1200" b="0" i="0" kern="1200" dirty="0">
+              <a:solidFill>
+                <a:schemeClr val="tx1"/>
+              </a:solidFill>
+              <a:effectLst/>
+              <a:latin typeface="+mn-lt"/>
+              <a:ea typeface="+mn-ea"/>
+              <a:cs typeface="+mn-cs"/>
+            </a:endParaRPr>
+          </a:p>
+          <a:p>
+            <a:r>
+              <a:rPr lang="de-AT" sz="1200" b="0" i="0" kern="1200" dirty="0">
+                <a:solidFill>
+                  <a:schemeClr val="tx1"/>
+                </a:solidFill>
+                <a:effectLst/>
+                <a:latin typeface="+mn-lt"/>
+                <a:ea typeface="+mn-ea"/>
+                <a:cs typeface="+mn-cs"/>
+              </a:rPr>
+              <a:t>Quelle: </a:t>
+            </a:r>
+            <a:r>
+              <a:rPr lang="de-AT" dirty="0">
+                <a:hlinkClick r:id="rId3"/>
+              </a:rPr>
+              <a:t>https://blog.de.erste-am.com/das-jahr-2019-war-und-ist-bei-technologie-aktien-ein-uebergangsjahr/</a:t>
+            </a:r>
+            <a:endParaRPr lang="de-AT" dirty="0"/>
           </a:p>
         </p:txBody>
       </p:sp>
       <p:sp>
         <p:nvSpPr>
-          <p:cNvPr id="4" name="Slide Number Placeholder 3"/>
+          <p:cNvPr id="4" name="Foliennummernplatzhalter 3"/>
           <p:cNvSpPr>
             <a:spLocks noGrp="1"/>
           </p:cNvSpPr>
@@ -8004,78 +8049,18 @@
           <a:bodyPr/>
           <a:lstStyle/>
           <a:p>
-            <a:pPr marL="0" marR="0" lvl="0" indent="0" algn="r" defTabSz="457200" rtl="0" eaLnBrk="1" fontAlgn="auto" latinLnBrk="0" hangingPunct="1">
-              <a:lnSpc>
-                <a:spcPct val="100000"/>
-              </a:lnSpc>
-              <a:spcBef>
-                <a:spcPts val="0"/>
-              </a:spcBef>
-              <a:spcAft>
-                <a:spcPts val="0"/>
-              </a:spcAft>
-              <a:buClrTx/>
-              <a:buSzTx/>
-              <a:buFontTx/>
-              <a:buNone/>
-              <a:tabLst/>
-              <a:defRPr/>
-            </a:pPr>
             <a:fld id="{CFED664B-377C-4B68-AF4E-EBDA643118DF}" type="slidenum">
-              <a:rPr kumimoji="0" lang="en-US" sz="1200" b="0" i="0" u="none" strike="noStrike" kern="1200" cap="none" spc="0" normalizeH="0" baseline="0" noProof="0" smtClean="0">
-                <a:ln>
-                  <a:noFill/>
-                </a:ln>
-                <a:solidFill>
-                  <a:prstClr val="black"/>
-                </a:solidFill>
-                <a:effectLst/>
-                <a:uLnTx/>
-                <a:uFillTx/>
-                <a:latin typeface="Calibri" panose="020F0502020204030204"/>
-                <a:ea typeface="+mn-ea"/>
-                <a:cs typeface="+mn-cs"/>
-              </a:rPr>
-              <a:pPr marL="0" marR="0" lvl="0" indent="0" algn="r" defTabSz="457200" rtl="0" eaLnBrk="1" fontAlgn="auto" latinLnBrk="0" hangingPunct="1">
-                <a:lnSpc>
-                  <a:spcPct val="100000"/>
-                </a:lnSpc>
-                <a:spcBef>
-                  <a:spcPts val="0"/>
-                </a:spcBef>
-                <a:spcAft>
-                  <a:spcPts val="0"/>
-                </a:spcAft>
-                <a:buClrTx/>
-                <a:buSzTx/>
-                <a:buFontTx/>
-                <a:buNone/>
-                <a:tabLst/>
-                <a:defRPr/>
-              </a:pPr>
-              <a:t>38</a:t>
+              <a:rPr lang="en-US" smtClean="0"/>
+              <a:t>39</a:t>
             </a:fld>
-            <a:endParaRPr kumimoji="0" lang="en-US" sz="1200" b="0" i="0" u="none" strike="noStrike" kern="1200" cap="none" spc="0" normalizeH="0" baseline="0" noProof="0" dirty="0">
-              <a:ln>
-                <a:noFill/>
-              </a:ln>
-              <a:solidFill>
-                <a:prstClr val="black"/>
-              </a:solidFill>
-              <a:effectLst/>
-              <a:uLnTx/>
-              <a:uFillTx/>
-              <a:latin typeface="Calibri" panose="020F0502020204030204"/>
-              <a:ea typeface="+mn-ea"/>
-              <a:cs typeface="+mn-cs"/>
-            </a:endParaRPr>
+            <a:endParaRPr lang="en-US" dirty="0"/>
           </a:p>
         </p:txBody>
       </p:sp>
     </p:spTree>
     <p:extLst>
       <p:ext uri="{BB962C8B-B14F-4D97-AF65-F5344CB8AC3E}">
-        <p14:creationId xmlns:p14="http://schemas.microsoft.com/office/powerpoint/2010/main" val="2647748442"/>
+        <p14:creationId xmlns:p14="http://schemas.microsoft.com/office/powerpoint/2010/main" val="1854896092"/>
       </p:ext>
     </p:extLst>
   </p:cSld>
@@ -8197,7 +8182,151 @@
                 <a:tabLst/>
                 <a:defRPr/>
               </a:pPr>
-              <a:t>44</a:t>
+              <a:t>40</a:t>
+            </a:fld>
+            <a:endParaRPr kumimoji="0" lang="en-US" sz="1200" b="0" i="0" u="none" strike="noStrike" kern="1200" cap="none" spc="0" normalizeH="0" baseline="0" noProof="0" dirty="0">
+              <a:ln>
+                <a:noFill/>
+              </a:ln>
+              <a:solidFill>
+                <a:prstClr val="black"/>
+              </a:solidFill>
+              <a:effectLst/>
+              <a:uLnTx/>
+              <a:uFillTx/>
+              <a:latin typeface="Calibri" panose="020F0502020204030204"/>
+              <a:ea typeface="+mn-ea"/>
+              <a:cs typeface="+mn-cs"/>
+            </a:endParaRPr>
+          </a:p>
+        </p:txBody>
+      </p:sp>
+    </p:spTree>
+    <p:extLst>
+      <p:ext uri="{BB962C8B-B14F-4D97-AF65-F5344CB8AC3E}">
+        <p14:creationId xmlns:p14="http://schemas.microsoft.com/office/powerpoint/2010/main" val="2647748442"/>
+      </p:ext>
+    </p:extLst>
+  </p:cSld>
+  <p:clrMapOvr>
+    <a:masterClrMapping/>
+  </p:clrMapOvr>
+</p:notes>
+</file>
+
+<file path=ppt/notesSlides/notesSlide9.xml><?xml version="1.0" encoding="utf-8"?>
+<p:notes xmlns:a="http://schemas.openxmlformats.org/drawingml/2006/main" xmlns:r="http://schemas.openxmlformats.org/officeDocument/2006/relationships" xmlns:p="http://schemas.openxmlformats.org/presentationml/2006/main">
+  <p:cSld>
+    <p:spTree>
+      <p:nvGrpSpPr>
+        <p:cNvPr id="1" name=""/>
+        <p:cNvGrpSpPr/>
+        <p:nvPr/>
+      </p:nvGrpSpPr>
+      <p:grpSpPr>
+        <a:xfrm>
+          <a:off x="0" y="0"/>
+          <a:ext cx="0" cy="0"/>
+          <a:chOff x="0" y="0"/>
+          <a:chExt cx="0" cy="0"/>
+        </a:xfrm>
+      </p:grpSpPr>
+      <p:sp>
+        <p:nvSpPr>
+          <p:cNvPr id="2" name="Slide Image Placeholder 1"/>
+          <p:cNvSpPr>
+            <a:spLocks noGrp="1" noRot="1" noChangeAspect="1"/>
+          </p:cNvSpPr>
+          <p:nvPr>
+            <p:ph type="sldImg"/>
+          </p:nvPr>
+        </p:nvSpPr>
+        <p:spPr/>
+      </p:sp>
+      <p:sp>
+        <p:nvSpPr>
+          <p:cNvPr id="3" name="Notes Placeholder 2"/>
+          <p:cNvSpPr>
+            <a:spLocks noGrp="1"/>
+          </p:cNvSpPr>
+          <p:nvPr>
+            <p:ph type="body" idx="1"/>
+          </p:nvPr>
+        </p:nvSpPr>
+        <p:spPr/>
+        <p:txBody>
+          <a:bodyPr/>
+          <a:lstStyle/>
+          <a:p>
+            <a:endParaRPr lang="en-US" dirty="0"/>
+          </a:p>
+        </p:txBody>
+      </p:sp>
+      <p:sp>
+        <p:nvSpPr>
+          <p:cNvPr id="4" name="Slide Number Placeholder 3"/>
+          <p:cNvSpPr>
+            <a:spLocks noGrp="1"/>
+          </p:cNvSpPr>
+          <p:nvPr>
+            <p:ph type="sldNum" sz="quarter" idx="5"/>
+          </p:nvPr>
+        </p:nvSpPr>
+        <p:spPr/>
+        <p:txBody>
+          <a:bodyPr/>
+          <a:lstStyle/>
+          <a:p>
+            <a:pPr marL="0" marR="0" lvl="0" indent="0" algn="r" defTabSz="457200" rtl="0" eaLnBrk="1" fontAlgn="auto" latinLnBrk="0" hangingPunct="1">
+              <a:lnSpc>
+                <a:spcPct val="100000"/>
+              </a:lnSpc>
+              <a:spcBef>
+                <a:spcPts val="0"/>
+              </a:spcBef>
+              <a:spcAft>
+                <a:spcPts val="0"/>
+              </a:spcAft>
+              <a:buClrTx/>
+              <a:buSzTx/>
+              <a:buFontTx/>
+              <a:buNone/>
+              <a:tabLst/>
+              <a:defRPr/>
+            </a:pPr>
+            <a:fld id="{CFED664B-377C-4B68-AF4E-EBDA643118DF}" type="slidenum">
+              <a:rPr kumimoji="0" lang="en-US" sz="1200" b="0" i="0" u="none" strike="noStrike" kern="1200" cap="none" spc="0" normalizeH="0" baseline="0" noProof="0" smtClean="0">
+                <a:ln>
+                  <a:noFill/>
+                </a:ln>
+                <a:solidFill>
+                  <a:prstClr val="black"/>
+                </a:solidFill>
+                <a:effectLst/>
+                <a:uLnTx/>
+                <a:uFillTx/>
+                <a:latin typeface="Calibri" panose="020F0502020204030204"/>
+                <a:ea typeface="+mn-ea"/>
+                <a:cs typeface="+mn-cs"/>
+              </a:rPr>
+              <a:pPr marL="0" marR="0" lvl="0" indent="0" algn="r" defTabSz="457200" rtl="0" eaLnBrk="1" fontAlgn="auto" latinLnBrk="0" hangingPunct="1">
+                <a:lnSpc>
+                  <a:spcPct val="100000"/>
+                </a:lnSpc>
+                <a:spcBef>
+                  <a:spcPts val="0"/>
+                </a:spcBef>
+                <a:spcAft>
+                  <a:spcPts val="0"/>
+                </a:spcAft>
+                <a:buClrTx/>
+                <a:buSzTx/>
+                <a:buFontTx/>
+                <a:buNone/>
+                <a:tabLst/>
+                <a:defRPr/>
+              </a:pPr>
+              <a:t>46</a:t>
             </a:fld>
             <a:endParaRPr kumimoji="0" lang="en-US" sz="1200" b="0" i="0" u="none" strike="noStrike" kern="1200" cap="none" spc="0" normalizeH="0" baseline="0" noProof="0" dirty="0">
               <a:ln>
@@ -29252,6 +29381,1601 @@
     <p:bg>
       <p:bgPr>
         <a:solidFill>
+          <a:schemeClr val="tx1"/>
+        </a:solidFill>
+        <a:effectLst/>
+      </p:bgPr>
+    </p:bg>
+    <p:spTree>
+      <p:nvGrpSpPr>
+        <p:cNvPr id="1" name=""/>
+        <p:cNvGrpSpPr/>
+        <p:nvPr/>
+      </p:nvGrpSpPr>
+      <p:grpSpPr>
+        <a:xfrm>
+          <a:off x="0" y="0"/>
+          <a:ext cx="0" cy="0"/>
+          <a:chOff x="0" y="0"/>
+          <a:chExt cx="0" cy="0"/>
+        </a:xfrm>
+      </p:grpSpPr>
+      <p:cxnSp>
+        <p:nvCxnSpPr>
+          <p:cNvPr id="3" name="Gerader Verbinder 2">
+            <a:extLst>
+              <a:ext uri="{FF2B5EF4-FFF2-40B4-BE49-F238E27FC236}">
+                <a16:creationId xmlns:a16="http://schemas.microsoft.com/office/drawing/2014/main" id="{761B5283-BF06-4D2E-BB29-31CBEA529E60}"/>
+              </a:ext>
+            </a:extLst>
+          </p:cNvPr>
+          <p:cNvCxnSpPr>
+            <a:cxnSpLocks/>
+          </p:cNvCxnSpPr>
+          <p:nvPr/>
+        </p:nvCxnSpPr>
+        <p:spPr>
+          <a:xfrm>
+            <a:off x="1274323" y="4922203"/>
+            <a:ext cx="9643354" cy="0"/>
+          </a:xfrm>
+          <a:prstGeom prst="line">
+            <a:avLst/>
+          </a:prstGeom>
+          <a:ln w="19050">
+            <a:solidFill>
+              <a:srgbClr val="0052C8"/>
+            </a:solidFill>
+          </a:ln>
+        </p:spPr>
+        <p:style>
+          <a:lnRef idx="1">
+            <a:schemeClr val="accent1"/>
+          </a:lnRef>
+          <a:fillRef idx="0">
+            <a:schemeClr val="accent1"/>
+          </a:fillRef>
+          <a:effectRef idx="0">
+            <a:schemeClr val="accent1"/>
+          </a:effectRef>
+          <a:fontRef idx="minor">
+            <a:schemeClr val="tx1"/>
+          </a:fontRef>
+        </p:style>
+      </p:cxnSp>
+      <p:sp>
+        <p:nvSpPr>
+          <p:cNvPr id="2" name="Textfeld 1">
+            <a:extLst>
+              <a:ext uri="{FF2B5EF4-FFF2-40B4-BE49-F238E27FC236}">
+                <a16:creationId xmlns:a16="http://schemas.microsoft.com/office/drawing/2014/main" id="{009D6097-CE57-4C1B-9218-5B62B542F2CF}"/>
+              </a:ext>
+            </a:extLst>
+          </p:cNvPr>
+          <p:cNvSpPr txBox="1"/>
+          <p:nvPr/>
+        </p:nvSpPr>
+        <p:spPr>
+          <a:xfrm>
+            <a:off x="1274323" y="3988358"/>
+            <a:ext cx="8959175" cy="707886"/>
+          </a:xfrm>
+          <a:prstGeom prst="rect">
+            <a:avLst/>
+          </a:prstGeom>
+          <a:noFill/>
+        </p:spPr>
+        <p:txBody>
+          <a:bodyPr wrap="square" rtlCol="0">
+            <a:spAutoFit/>
+          </a:bodyPr>
+          <a:lstStyle/>
+          <a:p>
+            <a:r>
+              <a:rPr lang="de-AT" sz="4000" dirty="0">
+                <a:solidFill>
+                  <a:schemeClr val="bg1"/>
+                </a:solidFill>
+              </a:rPr>
+              <a:t>ROI bei Technologie-Investitionen</a:t>
+            </a:r>
+          </a:p>
+        </p:txBody>
+      </p:sp>
+    </p:spTree>
+    <p:extLst>
+      <p:ext uri="{BB962C8B-B14F-4D97-AF65-F5344CB8AC3E}">
+        <p14:creationId xmlns:p14="http://schemas.microsoft.com/office/powerpoint/2010/main" val="1868532364"/>
+      </p:ext>
+    </p:extLst>
+  </p:cSld>
+  <p:clrMapOvr>
+    <a:masterClrMapping/>
+  </p:clrMapOvr>
+</p:sld>
+</file>
+
+<file path=ppt/slides/slide39.xml><?xml version="1.0" encoding="utf-8"?>
+<p:sld xmlns:a="http://schemas.openxmlformats.org/drawingml/2006/main" xmlns:r="http://schemas.openxmlformats.org/officeDocument/2006/relationships" xmlns:p="http://schemas.openxmlformats.org/presentationml/2006/main">
+  <p:cSld>
+    <p:bg>
+      <p:bgPr>
+        <a:solidFill>
+          <a:schemeClr val="tx1"/>
+        </a:solidFill>
+        <a:effectLst/>
+      </p:bgPr>
+    </p:bg>
+    <p:spTree>
+      <p:nvGrpSpPr>
+        <p:cNvPr id="1" name=""/>
+        <p:cNvGrpSpPr/>
+        <p:nvPr/>
+      </p:nvGrpSpPr>
+      <p:grpSpPr>
+        <a:xfrm>
+          <a:off x="0" y="0"/>
+          <a:ext cx="0" cy="0"/>
+          <a:chOff x="0" y="0"/>
+          <a:chExt cx="0" cy="0"/>
+        </a:xfrm>
+      </p:grpSpPr>
+      <p:cxnSp>
+        <p:nvCxnSpPr>
+          <p:cNvPr id="3" name="Gerader Verbinder 2">
+            <a:extLst>
+              <a:ext uri="{FF2B5EF4-FFF2-40B4-BE49-F238E27FC236}">
+                <a16:creationId xmlns:a16="http://schemas.microsoft.com/office/drawing/2014/main" id="{761B5283-BF06-4D2E-BB29-31CBEA529E60}"/>
+              </a:ext>
+            </a:extLst>
+          </p:cNvPr>
+          <p:cNvCxnSpPr>
+            <a:cxnSpLocks/>
+          </p:cNvCxnSpPr>
+          <p:nvPr/>
+        </p:nvCxnSpPr>
+        <p:spPr>
+          <a:xfrm>
+            <a:off x="1274323" y="1215953"/>
+            <a:ext cx="9643354" cy="0"/>
+          </a:xfrm>
+          <a:prstGeom prst="line">
+            <a:avLst/>
+          </a:prstGeom>
+          <a:ln w="19050">
+            <a:solidFill>
+              <a:srgbClr val="0052C8"/>
+            </a:solidFill>
+          </a:ln>
+        </p:spPr>
+        <p:style>
+          <a:lnRef idx="1">
+            <a:schemeClr val="accent1"/>
+          </a:lnRef>
+          <a:fillRef idx="0">
+            <a:schemeClr val="accent1"/>
+          </a:fillRef>
+          <a:effectRef idx="0">
+            <a:schemeClr val="accent1"/>
+          </a:effectRef>
+          <a:fontRef idx="minor">
+            <a:schemeClr val="tx1"/>
+          </a:fontRef>
+        </p:style>
+      </p:cxnSp>
+      <p:sp>
+        <p:nvSpPr>
+          <p:cNvPr id="2" name="Textfeld 1">
+            <a:extLst>
+              <a:ext uri="{FF2B5EF4-FFF2-40B4-BE49-F238E27FC236}">
+                <a16:creationId xmlns:a16="http://schemas.microsoft.com/office/drawing/2014/main" id="{009D6097-CE57-4C1B-9218-5B62B542F2CF}"/>
+              </a:ext>
+            </a:extLst>
+          </p:cNvPr>
+          <p:cNvSpPr txBox="1"/>
+          <p:nvPr/>
+        </p:nvSpPr>
+        <p:spPr>
+          <a:xfrm>
+            <a:off x="1274323" y="389104"/>
+            <a:ext cx="9643354" cy="707886"/>
+          </a:xfrm>
+          <a:prstGeom prst="rect">
+            <a:avLst/>
+          </a:prstGeom>
+          <a:noFill/>
+        </p:spPr>
+        <p:txBody>
+          <a:bodyPr wrap="square" rtlCol="0">
+            <a:spAutoFit/>
+          </a:bodyPr>
+          <a:lstStyle/>
+          <a:p>
+            <a:r>
+              <a:rPr lang="de-AT" sz="4000" dirty="0">
+                <a:solidFill>
+                  <a:schemeClr val="bg1"/>
+                </a:solidFill>
+              </a:rPr>
+              <a:t>Am Beispiel Uber</a:t>
+            </a:r>
+          </a:p>
+        </p:txBody>
+      </p:sp>
+      <p:sp>
+        <p:nvSpPr>
+          <p:cNvPr id="6" name="Textfeld 5">
+            <a:extLst>
+              <a:ext uri="{FF2B5EF4-FFF2-40B4-BE49-F238E27FC236}">
+                <a16:creationId xmlns:a16="http://schemas.microsoft.com/office/drawing/2014/main" id="{C6A12D65-6299-4A1F-918A-27EA6AF378CA}"/>
+              </a:ext>
+            </a:extLst>
+          </p:cNvPr>
+          <p:cNvSpPr txBox="1"/>
+          <p:nvPr/>
+        </p:nvSpPr>
+        <p:spPr>
+          <a:xfrm>
+            <a:off x="1274323" y="1967061"/>
+            <a:ext cx="9643353" cy="2923877"/>
+          </a:xfrm>
+          <a:prstGeom prst="rect">
+            <a:avLst/>
+          </a:prstGeom>
+          <a:noFill/>
+        </p:spPr>
+        <p:txBody>
+          <a:bodyPr wrap="square" rtlCol="0">
+            <a:spAutoFit/>
+          </a:bodyPr>
+          <a:lstStyle/>
+          <a:p>
+            <a:pPr algn="ctr"/>
+            <a:r>
+              <a:rPr lang="en-GB" sz="2400" dirty="0">
+                <a:solidFill>
+                  <a:schemeClr val="bg1"/>
+                </a:solidFill>
+              </a:rPr>
+              <a:t>“</a:t>
+            </a:r>
+            <a:r>
+              <a:rPr lang="de-AT" sz="2400" dirty="0">
+                <a:solidFill>
+                  <a:schemeClr val="bg1"/>
+                </a:solidFill>
+              </a:rPr>
+              <a:t>Die Marktprognosen für Uber etwa besagen, dass 2025 Gewinn geschrieben werden soll. Aber im Technologiebereich ist es so: Es wird das Geschäftsmodell und der Markt gekauft. Uber und Lyft decken den Trend von Offline zu Online ab, und sie haben einen Netzwerk-Effekt: Je mehr Fahrer es gibt, desto mehr Kunden gibt es.</a:t>
+            </a:r>
+            <a:r>
+              <a:rPr lang="en-GB" sz="2400" dirty="0">
+                <a:solidFill>
+                  <a:schemeClr val="bg1"/>
+                </a:solidFill>
+              </a:rPr>
+              <a:t>”</a:t>
+            </a:r>
+            <a:br>
+              <a:rPr lang="en-GB" sz="2400" dirty="0">
+                <a:solidFill>
+                  <a:schemeClr val="bg1"/>
+                </a:solidFill>
+              </a:rPr>
+            </a:br>
+            <a:br>
+              <a:rPr lang="en-GB" sz="2400" dirty="0">
+                <a:solidFill>
+                  <a:schemeClr val="bg1"/>
+                </a:solidFill>
+              </a:rPr>
+            </a:br>
+            <a:r>
+              <a:rPr lang="en-GB" sz="2000" dirty="0">
+                <a:solidFill>
+                  <a:schemeClr val="bg1"/>
+                </a:solidFill>
+              </a:rPr>
+              <a:t>Bernhard </a:t>
+            </a:r>
+            <a:r>
+              <a:rPr lang="en-GB" sz="2000" dirty="0" err="1">
+                <a:solidFill>
+                  <a:schemeClr val="bg1"/>
+                </a:solidFill>
+              </a:rPr>
+              <a:t>Ruttenstorfer</a:t>
+            </a:r>
+            <a:r>
+              <a:rPr lang="en-GB" sz="2000" dirty="0">
+                <a:solidFill>
+                  <a:schemeClr val="bg1"/>
+                </a:solidFill>
+              </a:rPr>
+              <a:t>, </a:t>
+            </a:r>
+            <a:r>
+              <a:rPr lang="en-GB" sz="2000" dirty="0" err="1">
+                <a:solidFill>
+                  <a:schemeClr val="bg1"/>
+                </a:solidFill>
+              </a:rPr>
+              <a:t>Fondsmanager</a:t>
+            </a:r>
+            <a:r>
+              <a:rPr lang="en-GB" sz="2000" dirty="0">
+                <a:solidFill>
+                  <a:schemeClr val="bg1"/>
+                </a:solidFill>
+              </a:rPr>
+              <a:t> des </a:t>
+            </a:r>
+            <a:r>
+              <a:rPr lang="en-GB" sz="2000" dirty="0" err="1">
+                <a:solidFill>
+                  <a:schemeClr val="bg1"/>
+                </a:solidFill>
+              </a:rPr>
+              <a:t>Technologie-Aktienfonds</a:t>
+            </a:r>
+            <a:r>
+              <a:rPr lang="en-GB" sz="2000" dirty="0">
+                <a:solidFill>
+                  <a:schemeClr val="bg1"/>
+                </a:solidFill>
+              </a:rPr>
+              <a:t> der </a:t>
+            </a:r>
+            <a:r>
+              <a:rPr lang="en-GB" sz="2000" dirty="0" err="1">
+                <a:solidFill>
+                  <a:schemeClr val="bg1"/>
+                </a:solidFill>
+              </a:rPr>
+              <a:t>Erste</a:t>
+            </a:r>
+            <a:r>
+              <a:rPr lang="en-GB" sz="2000" dirty="0">
+                <a:solidFill>
+                  <a:schemeClr val="bg1"/>
+                </a:solidFill>
+              </a:rPr>
+              <a:t> Asset Management</a:t>
+            </a:r>
+            <a:endParaRPr lang="de-AT" sz="2400" dirty="0">
+              <a:solidFill>
+                <a:schemeClr val="bg1"/>
+              </a:solidFill>
+            </a:endParaRPr>
+          </a:p>
+        </p:txBody>
+      </p:sp>
+    </p:spTree>
+    <p:extLst>
+      <p:ext uri="{BB962C8B-B14F-4D97-AF65-F5344CB8AC3E}">
+        <p14:creationId xmlns:p14="http://schemas.microsoft.com/office/powerpoint/2010/main" val="2218571788"/>
+      </p:ext>
+    </p:extLst>
+  </p:cSld>
+  <p:clrMapOvr>
+    <a:masterClrMapping/>
+  </p:clrMapOvr>
+</p:sld>
+</file>
+
+<file path=ppt/slides/slide4.xml><?xml version="1.0" encoding="utf-8"?>
+<p:sld xmlns:a="http://schemas.openxmlformats.org/drawingml/2006/main" xmlns:r="http://schemas.openxmlformats.org/officeDocument/2006/relationships" xmlns:p="http://schemas.openxmlformats.org/presentationml/2006/main">
+  <p:cSld>
+    <p:spTree>
+      <p:nvGrpSpPr>
+        <p:cNvPr id="1" name=""/>
+        <p:cNvGrpSpPr/>
+        <p:nvPr/>
+      </p:nvGrpSpPr>
+      <p:grpSpPr>
+        <a:xfrm>
+          <a:off x="0" y="0"/>
+          <a:ext cx="0" cy="0"/>
+          <a:chOff x="0" y="0"/>
+          <a:chExt cx="0" cy="0"/>
+        </a:xfrm>
+      </p:grpSpPr>
+      <p:sp useBgFill="1">
+        <p:nvSpPr>
+          <p:cNvPr id="2" name="Rectangle 9">
+            <a:extLst>
+              <a:ext uri="{FF2B5EF4-FFF2-40B4-BE49-F238E27FC236}">
+                <a16:creationId xmlns:a16="http://schemas.microsoft.com/office/drawing/2014/main" id="{2D1AE908-7BCF-467B-9313-A808C0E9BA86}"/>
+              </a:ext>
+              <a:ext uri="{C183D7F6-B498-43B3-948B-1728B52AA6E4}">
+                <adec:decorative xmlns:adec="http://schemas.microsoft.com/office/drawing/2017/decorative" val="1"/>
+              </a:ext>
+            </a:extLst>
+          </p:cNvPr>
+          <p:cNvSpPr>
+            <a:spLocks noGrp="1" noRot="1" noChangeAspect="1" noMove="1" noResize="1" noEditPoints="1" noAdjustHandles="1" noChangeArrowheads="1" noChangeShapeType="1" noTextEdit="1"/>
+          </p:cNvSpPr>
+          <p:nvPr>
+            <p:extLst>
+              <p:ext uri="{386F3935-93C4-4BCD-93E2-E3B085C9AB24}">
+                <p16:designElem xmlns:p16="http://schemas.microsoft.com/office/powerpoint/2015/main" val="1"/>
+              </p:ext>
+            </p:extLst>
+          </p:nvPr>
+        </p:nvSpPr>
+        <p:spPr>
+          <a:xfrm>
+            <a:off x="0" y="0"/>
+            <a:ext cx="12191999" cy="6858000"/>
+          </a:xfrm>
+          <a:prstGeom prst="rect">
+            <a:avLst/>
+          </a:prstGeom>
+          <a:ln>
+            <a:noFill/>
+          </a:ln>
+        </p:spPr>
+        <p:style>
+          <a:lnRef idx="2">
+            <a:schemeClr val="accent1">
+              <a:shade val="50000"/>
+            </a:schemeClr>
+          </a:lnRef>
+          <a:fillRef idx="1">
+            <a:schemeClr val="accent1"/>
+          </a:fillRef>
+          <a:effectRef idx="0">
+            <a:schemeClr val="accent1"/>
+          </a:effectRef>
+          <a:fontRef idx="minor">
+            <a:schemeClr val="lt1"/>
+          </a:fontRef>
+        </p:style>
+        <p:txBody>
+          <a:bodyPr rtlCol="0" anchor="ctr"/>
+          <a:lstStyle/>
+          <a:p>
+            <a:pPr algn="ctr"/>
+            <a:endParaRPr lang="en-US" dirty="0"/>
+          </a:p>
+        </p:txBody>
+      </p:sp>
+      <p:sp>
+        <p:nvSpPr>
+          <p:cNvPr id="3" name="Rectangle 11">
+            <a:extLst>
+              <a:ext uri="{FF2B5EF4-FFF2-40B4-BE49-F238E27FC236}">
+                <a16:creationId xmlns:a16="http://schemas.microsoft.com/office/drawing/2014/main" id="{6A201AB6-12EC-4D18-99AE-8D2183F046E0}"/>
+              </a:ext>
+              <a:ext uri="{C183D7F6-B498-43B3-948B-1728B52AA6E4}">
+                <adec:decorative xmlns:adec="http://schemas.microsoft.com/office/drawing/2017/decorative" val="1"/>
+              </a:ext>
+            </a:extLst>
+          </p:cNvPr>
+          <p:cNvSpPr>
+            <a:spLocks noGrp="1" noRot="1" noChangeAspect="1" noMove="1" noResize="1" noEditPoints="1" noAdjustHandles="1" noChangeArrowheads="1" noChangeShapeType="1" noTextEdit="1"/>
+          </p:cNvSpPr>
+          <p:nvPr>
+            <p:extLst>
+              <p:ext uri="{386F3935-93C4-4BCD-93E2-E3B085C9AB24}">
+                <p16:designElem xmlns:p16="http://schemas.microsoft.com/office/powerpoint/2015/main" val="1"/>
+              </p:ext>
+            </p:extLst>
+          </p:nvPr>
+        </p:nvSpPr>
+        <p:spPr>
+          <a:xfrm>
+            <a:off x="0" y="0"/>
+            <a:ext cx="4654296" cy="6858000"/>
+          </a:xfrm>
+          <a:prstGeom prst="rect">
+            <a:avLst/>
+          </a:prstGeom>
+          <a:solidFill>
+            <a:schemeClr val="tx1">
+              <a:lumMod val="95000"/>
+              <a:lumOff val="5000"/>
+            </a:schemeClr>
+          </a:solidFill>
+          <a:ln>
+            <a:noFill/>
+          </a:ln>
+        </p:spPr>
+        <p:style>
+          <a:lnRef idx="0">
+            <a:scrgbClr r="0" g="0" b="0"/>
+          </a:lnRef>
+          <a:fillRef idx="0">
+            <a:scrgbClr r="0" g="0" b="0"/>
+          </a:fillRef>
+          <a:effectRef idx="0">
+            <a:scrgbClr r="0" g="0" b="0"/>
+          </a:effectRef>
+          <a:fontRef idx="minor">
+            <a:schemeClr val="lt1"/>
+          </a:fontRef>
+        </p:style>
+        <p:txBody>
+          <a:bodyPr rtlCol="0" anchor="ctr"/>
+          <a:lstStyle/>
+          <a:p>
+            <a:pPr algn="ctr"/>
+            <a:endParaRPr lang="en-US" dirty="0"/>
+          </a:p>
+        </p:txBody>
+      </p:sp>
+      <p:sp>
+        <p:nvSpPr>
+          <p:cNvPr id="4" name="Title 1">
+            <a:extLst>
+              <a:ext uri="{FF2B5EF4-FFF2-40B4-BE49-F238E27FC236}">
+                <a16:creationId xmlns:a16="http://schemas.microsoft.com/office/drawing/2014/main" id="{47A336E4-847F-4A97-9CCA-1896E5EC45A0}"/>
+              </a:ext>
+            </a:extLst>
+          </p:cNvPr>
+          <p:cNvSpPr txBox="1">
+            <a:spLocks/>
+          </p:cNvSpPr>
+          <p:nvPr/>
+        </p:nvSpPr>
+        <p:spPr>
+          <a:xfrm>
+            <a:off x="64981" y="178408"/>
+            <a:ext cx="3554665" cy="747897"/>
+          </a:xfrm>
+          <a:prstGeom prst="rect">
+            <a:avLst/>
+          </a:prstGeom>
+          <a:noFill/>
+          <a:ln>
+            <a:solidFill>
+              <a:schemeClr val="bg1"/>
+            </a:solidFill>
+          </a:ln>
+          <a:effectLst>
+            <a:glow rad="152400">
+              <a:schemeClr val="bg1">
+                <a:alpha val="13000"/>
+              </a:schemeClr>
+            </a:glow>
+          </a:effectLst>
+        </p:spPr>
+        <p:txBody>
+          <a:bodyPr wrap="square">
+            <a:normAutofit fontScale="97500"/>
+          </a:bodyPr>
+          <a:lstStyle>
+            <a:lvl1pPr algn="ctr" defTabSz="914400" rtl="0" eaLnBrk="1" latinLnBrk="0" hangingPunct="1">
+              <a:lnSpc>
+                <a:spcPct val="90000"/>
+              </a:lnSpc>
+              <a:spcBef>
+                <a:spcPct val="0"/>
+              </a:spcBef>
+              <a:buNone/>
+              <a:defRPr sz="2800" kern="1200" cap="all" spc="200" baseline="0">
+                <a:solidFill>
+                  <a:srgbClr val="262626"/>
+                </a:solidFill>
+                <a:latin typeface="+mj-lt"/>
+                <a:ea typeface="+mj-ea"/>
+                <a:cs typeface="+mj-cs"/>
+              </a:defRPr>
+            </a:lvl1pPr>
+          </a:lstStyle>
+          <a:p>
+            <a:r>
+              <a:rPr lang="en-US">
+                <a:solidFill>
+                  <a:schemeClr val="bg1"/>
+                </a:solidFill>
+              </a:rPr>
+              <a:t>Eigenschaften</a:t>
+            </a:r>
+            <a:endParaRPr lang="en-US" dirty="0">
+              <a:solidFill>
+                <a:schemeClr val="bg1"/>
+              </a:solidFill>
+            </a:endParaRPr>
+          </a:p>
+        </p:txBody>
+      </p:sp>
+      <p:pic>
+        <p:nvPicPr>
+          <p:cNvPr id="5" name="Picture 3" descr="Finance trade numbers">
+            <a:extLst>
+              <a:ext uri="{FF2B5EF4-FFF2-40B4-BE49-F238E27FC236}">
+                <a16:creationId xmlns:a16="http://schemas.microsoft.com/office/drawing/2014/main" id="{40B7FE54-3846-4C98-B20A-A63359DF55BC}"/>
+              </a:ext>
+            </a:extLst>
+          </p:cNvPr>
+          <p:cNvPicPr>
+            <a:picLocks noChangeAspect="1"/>
+          </p:cNvPicPr>
+          <p:nvPr/>
+        </p:nvPicPr>
+        <p:blipFill rotWithShape="1">
+          <a:blip r:embed="rId2" cstate="print">
+            <a:extLst>
+              <a:ext uri="{28A0092B-C50C-407E-A947-70E740481C1C}">
+                <a14:useLocalDpi xmlns:a14="http://schemas.microsoft.com/office/drawing/2010/main"/>
+              </a:ext>
+            </a:extLst>
+          </a:blip>
+          <a:srcRect/>
+          <a:stretch/>
+        </p:blipFill>
+        <p:spPr>
+          <a:xfrm>
+            <a:off x="1" y="0"/>
+            <a:ext cx="12193694" cy="6858000"/>
+          </a:xfrm>
+          <a:prstGeom prst="rect">
+            <a:avLst/>
+          </a:prstGeom>
+        </p:spPr>
+      </p:pic>
+      <p:sp>
+        <p:nvSpPr>
+          <p:cNvPr id="6" name="Content Placeholder 8">
+            <a:extLst>
+              <a:ext uri="{FF2B5EF4-FFF2-40B4-BE49-F238E27FC236}">
+                <a16:creationId xmlns:a16="http://schemas.microsoft.com/office/drawing/2014/main" id="{1B8540D2-E06C-46EE-A20D-99A2C7729DE5}"/>
+              </a:ext>
+            </a:extLst>
+          </p:cNvPr>
+          <p:cNvSpPr txBox="1">
+            <a:spLocks/>
+          </p:cNvSpPr>
+          <p:nvPr/>
+        </p:nvSpPr>
+        <p:spPr>
+          <a:xfrm>
+            <a:off x="1591760" y="1746353"/>
+            <a:ext cx="10600240" cy="4291598"/>
+          </a:xfrm>
+          <a:prstGeom prst="rect">
+            <a:avLst/>
+          </a:prstGeom>
+          <a:solidFill>
+            <a:schemeClr val="tx1">
+              <a:alpha val="70000"/>
+            </a:schemeClr>
+          </a:solidFill>
+        </p:spPr>
+        <p:style>
+          <a:lnRef idx="0">
+            <a:schemeClr val="dk1">
+              <a:hueOff val="0"/>
+              <a:satOff val="0"/>
+              <a:lumOff val="0"/>
+              <a:alphaOff val="0"/>
+            </a:schemeClr>
+          </a:lnRef>
+          <a:fillRef idx="1">
+            <a:scrgbClr r="0" g="0" b="0"/>
+          </a:fillRef>
+          <a:effectRef idx="2">
+            <a:schemeClr val="bg1">
+              <a:lumMod val="95000"/>
+              <a:hueOff val="0"/>
+              <a:satOff val="0"/>
+              <a:lumOff val="0"/>
+              <a:alphaOff val="0"/>
+            </a:schemeClr>
+          </a:effectRef>
+          <a:fontRef idx="minor">
+            <a:schemeClr val="dk1">
+              <a:hueOff val="0"/>
+              <a:satOff val="0"/>
+              <a:lumOff val="0"/>
+              <a:alphaOff val="0"/>
+            </a:schemeClr>
+          </a:fontRef>
+        </p:style>
+        <p:txBody>
+          <a:bodyPr>
+            <a:normAutofit/>
+          </a:bodyPr>
+          <a:lstStyle>
+            <a:lvl1pPr marL="228600" indent="-228600" algn="l" defTabSz="914400" rtl="0" eaLnBrk="1" latinLnBrk="0" hangingPunct="1">
+              <a:lnSpc>
+                <a:spcPct val="100000"/>
+              </a:lnSpc>
+              <a:spcBef>
+                <a:spcPts val="1000"/>
+              </a:spcBef>
+              <a:buClr>
+                <a:schemeClr val="accent2"/>
+              </a:buClr>
+              <a:buFont typeface="Arial" panose="020B0604020202020204" pitchFamily="34" charset="0"/>
+              <a:buChar char="•"/>
+              <a:defRPr sz="1800" kern="1200">
+                <a:solidFill>
+                  <a:schemeClr val="dk1">
+                    <a:hueOff val="0"/>
+                    <a:satOff val="0"/>
+                    <a:lumOff val="0"/>
+                    <a:alphaOff val="0"/>
+                  </a:schemeClr>
+                </a:solidFill>
+                <a:latin typeface="+mn-lt"/>
+                <a:ea typeface="+mn-ea"/>
+                <a:cs typeface="+mn-cs"/>
+              </a:defRPr>
+            </a:lvl1pPr>
+            <a:lvl2pPr marL="457200" indent="-228600" algn="l" defTabSz="914400" rtl="0" eaLnBrk="1" latinLnBrk="0" hangingPunct="1">
+              <a:lnSpc>
+                <a:spcPct val="100000"/>
+              </a:lnSpc>
+              <a:spcBef>
+                <a:spcPts val="1000"/>
+              </a:spcBef>
+              <a:buClr>
+                <a:schemeClr val="accent2"/>
+              </a:buClr>
+              <a:buFont typeface="Arial" panose="020B0604020202020204" pitchFamily="34" charset="0"/>
+              <a:buChar char="•"/>
+              <a:defRPr sz="1600" kern="1200">
+                <a:solidFill>
+                  <a:schemeClr val="dk1">
+                    <a:hueOff val="0"/>
+                    <a:satOff val="0"/>
+                    <a:lumOff val="0"/>
+                    <a:alphaOff val="0"/>
+                  </a:schemeClr>
+                </a:solidFill>
+                <a:latin typeface="+mn-lt"/>
+                <a:ea typeface="+mn-ea"/>
+                <a:cs typeface="+mn-cs"/>
+              </a:defRPr>
+            </a:lvl2pPr>
+            <a:lvl3pPr marL="685800" indent="-228600" algn="l" defTabSz="914400" rtl="0" eaLnBrk="1" latinLnBrk="0" hangingPunct="1">
+              <a:lnSpc>
+                <a:spcPct val="100000"/>
+              </a:lnSpc>
+              <a:spcBef>
+                <a:spcPts val="1000"/>
+              </a:spcBef>
+              <a:buClr>
+                <a:schemeClr val="accent2"/>
+              </a:buClr>
+              <a:buFont typeface="Arial" panose="020B0604020202020204" pitchFamily="34" charset="0"/>
+              <a:buChar char="•"/>
+              <a:defRPr sz="1600" kern="1200">
+                <a:solidFill>
+                  <a:schemeClr val="dk1">
+                    <a:hueOff val="0"/>
+                    <a:satOff val="0"/>
+                    <a:lumOff val="0"/>
+                    <a:alphaOff val="0"/>
+                  </a:schemeClr>
+                </a:solidFill>
+                <a:latin typeface="+mn-lt"/>
+                <a:ea typeface="+mn-ea"/>
+                <a:cs typeface="+mn-cs"/>
+              </a:defRPr>
+            </a:lvl3pPr>
+            <a:lvl4pPr marL="914400" indent="-228600" algn="l" defTabSz="914400" rtl="0" eaLnBrk="1" latinLnBrk="0" hangingPunct="1">
+              <a:lnSpc>
+                <a:spcPct val="100000"/>
+              </a:lnSpc>
+              <a:spcBef>
+                <a:spcPts val="1000"/>
+              </a:spcBef>
+              <a:buClr>
+                <a:schemeClr val="accent2"/>
+              </a:buClr>
+              <a:buFont typeface="Arial" panose="020B0604020202020204" pitchFamily="34" charset="0"/>
+              <a:buChar char="•"/>
+              <a:defRPr sz="1600" kern="1200">
+                <a:solidFill>
+                  <a:schemeClr val="dk1">
+                    <a:hueOff val="0"/>
+                    <a:satOff val="0"/>
+                    <a:lumOff val="0"/>
+                    <a:alphaOff val="0"/>
+                  </a:schemeClr>
+                </a:solidFill>
+                <a:latin typeface="+mn-lt"/>
+                <a:ea typeface="+mn-ea"/>
+                <a:cs typeface="+mn-cs"/>
+              </a:defRPr>
+            </a:lvl4pPr>
+            <a:lvl5pPr marL="1143000" indent="-228600" algn="l" defTabSz="914400" rtl="0" eaLnBrk="1" latinLnBrk="0" hangingPunct="1">
+              <a:lnSpc>
+                <a:spcPct val="100000"/>
+              </a:lnSpc>
+              <a:spcBef>
+                <a:spcPts val="1000"/>
+              </a:spcBef>
+              <a:buClr>
+                <a:schemeClr val="accent2"/>
+              </a:buClr>
+              <a:buFont typeface="Arial" panose="020B0604020202020204" pitchFamily="34" charset="0"/>
+              <a:buChar char="•"/>
+              <a:defRPr sz="1600" kern="1200">
+                <a:solidFill>
+                  <a:schemeClr val="dk1">
+                    <a:hueOff val="0"/>
+                    <a:satOff val="0"/>
+                    <a:lumOff val="0"/>
+                    <a:alphaOff val="0"/>
+                  </a:schemeClr>
+                </a:solidFill>
+                <a:latin typeface="+mn-lt"/>
+                <a:ea typeface="+mn-ea"/>
+                <a:cs typeface="+mn-cs"/>
+              </a:defRPr>
+            </a:lvl5pPr>
+            <a:lvl6pPr marL="1312863" indent="-228600" algn="l" defTabSz="914400" rtl="0" eaLnBrk="1" latinLnBrk="0" hangingPunct="1">
+              <a:lnSpc>
+                <a:spcPct val="100000"/>
+              </a:lnSpc>
+              <a:spcBef>
+                <a:spcPts val="1000"/>
+              </a:spcBef>
+              <a:buClr>
+                <a:schemeClr val="accent2"/>
+              </a:buClr>
+              <a:buFont typeface="Arial" panose="020B0604020202020204" pitchFamily="34" charset="0"/>
+              <a:buChar char="•"/>
+              <a:defRPr sz="1600" kern="1200">
+                <a:solidFill>
+                  <a:schemeClr val="dk1">
+                    <a:hueOff val="0"/>
+                    <a:satOff val="0"/>
+                    <a:lumOff val="0"/>
+                    <a:alphaOff val="0"/>
+                  </a:schemeClr>
+                </a:solidFill>
+                <a:latin typeface="+mn-lt"/>
+                <a:ea typeface="+mn-ea"/>
+                <a:cs typeface="+mn-cs"/>
+              </a:defRPr>
+            </a:lvl6pPr>
+            <a:lvl7pPr marL="1484313" indent="-228600" algn="l" defTabSz="914400" rtl="0" eaLnBrk="1" latinLnBrk="0" hangingPunct="1">
+              <a:lnSpc>
+                <a:spcPct val="100000"/>
+              </a:lnSpc>
+              <a:spcBef>
+                <a:spcPts val="1000"/>
+              </a:spcBef>
+              <a:buClr>
+                <a:schemeClr val="accent2"/>
+              </a:buClr>
+              <a:buFont typeface="Arial" panose="020B0604020202020204" pitchFamily="34" charset="0"/>
+              <a:buChar char="•"/>
+              <a:defRPr sz="1600" kern="1200">
+                <a:solidFill>
+                  <a:schemeClr val="dk1">
+                    <a:hueOff val="0"/>
+                    <a:satOff val="0"/>
+                    <a:lumOff val="0"/>
+                    <a:alphaOff val="0"/>
+                  </a:schemeClr>
+                </a:solidFill>
+                <a:latin typeface="+mn-lt"/>
+                <a:ea typeface="+mn-ea"/>
+                <a:cs typeface="+mn-cs"/>
+              </a:defRPr>
+            </a:lvl7pPr>
+            <a:lvl8pPr marL="1657350" indent="-228600" algn="l" defTabSz="914400" rtl="0" eaLnBrk="1" latinLnBrk="0" hangingPunct="1">
+              <a:lnSpc>
+                <a:spcPct val="100000"/>
+              </a:lnSpc>
+              <a:spcBef>
+                <a:spcPts val="1000"/>
+              </a:spcBef>
+              <a:buClr>
+                <a:schemeClr val="accent2"/>
+              </a:buClr>
+              <a:buFont typeface="Arial" panose="020B0604020202020204" pitchFamily="34" charset="0"/>
+              <a:buChar char="•"/>
+              <a:defRPr sz="1600" kern="1200" baseline="0">
+                <a:solidFill>
+                  <a:schemeClr val="dk1">
+                    <a:hueOff val="0"/>
+                    <a:satOff val="0"/>
+                    <a:lumOff val="0"/>
+                    <a:alphaOff val="0"/>
+                  </a:schemeClr>
+                </a:solidFill>
+                <a:latin typeface="+mn-lt"/>
+                <a:ea typeface="+mn-ea"/>
+                <a:cs typeface="+mn-cs"/>
+              </a:defRPr>
+            </a:lvl8pPr>
+            <a:lvl9pPr marL="1882775" indent="-228600" algn="l" defTabSz="914400" rtl="0" eaLnBrk="1" latinLnBrk="0" hangingPunct="1">
+              <a:lnSpc>
+                <a:spcPct val="100000"/>
+              </a:lnSpc>
+              <a:spcBef>
+                <a:spcPts val="1000"/>
+              </a:spcBef>
+              <a:buClr>
+                <a:schemeClr val="accent2"/>
+              </a:buClr>
+              <a:buFont typeface="Arial" panose="020B0604020202020204" pitchFamily="34" charset="0"/>
+              <a:buChar char="•"/>
+              <a:defRPr sz="1600" kern="1200" baseline="0">
+                <a:solidFill>
+                  <a:schemeClr val="dk1">
+                    <a:hueOff val="0"/>
+                    <a:satOff val="0"/>
+                    <a:lumOff val="0"/>
+                    <a:alphaOff val="0"/>
+                  </a:schemeClr>
+                </a:solidFill>
+                <a:latin typeface="+mn-lt"/>
+                <a:ea typeface="+mn-ea"/>
+                <a:cs typeface="+mn-cs"/>
+              </a:defRPr>
+            </a:lvl9pPr>
+          </a:lstStyle>
+          <a:p>
+            <a:r>
+              <a:rPr lang="de-DE" sz="4800" dirty="0">
+                <a:solidFill>
+                  <a:schemeClr val="bg1"/>
+                </a:solidFill>
+              </a:rPr>
+              <a:t>Aussagekraft</a:t>
+            </a:r>
+          </a:p>
+          <a:p>
+            <a:r>
+              <a:rPr lang="de-DE" sz="4800" dirty="0">
+                <a:solidFill>
+                  <a:schemeClr val="bg1"/>
+                </a:solidFill>
+              </a:rPr>
+              <a:t>Zielorientiert</a:t>
+            </a:r>
+            <a:endParaRPr lang="de-AT" sz="4800" dirty="0">
+              <a:solidFill>
+                <a:schemeClr val="bg1"/>
+              </a:solidFill>
+            </a:endParaRPr>
+          </a:p>
+          <a:p>
+            <a:r>
+              <a:rPr lang="de-DE" sz="4800" dirty="0">
+                <a:solidFill>
+                  <a:schemeClr val="bg1"/>
+                </a:solidFill>
+              </a:rPr>
+              <a:t>Wirtschaftlich</a:t>
+            </a:r>
+          </a:p>
+          <a:p>
+            <a:r>
+              <a:rPr lang="de-DE" sz="4800" dirty="0">
+                <a:solidFill>
+                  <a:schemeClr val="bg1"/>
+                </a:solidFill>
+              </a:rPr>
+              <a:t>Reversibilität</a:t>
+            </a:r>
+          </a:p>
+          <a:p>
+            <a:r>
+              <a:rPr lang="de-DE" sz="4800" dirty="0">
+                <a:solidFill>
+                  <a:schemeClr val="bg1"/>
+                </a:solidFill>
+              </a:rPr>
+              <a:t>Zweck</a:t>
+            </a:r>
+          </a:p>
+        </p:txBody>
+      </p:sp>
+      <p:sp>
+        <p:nvSpPr>
+          <p:cNvPr id="7" name="Content Placeholder 8">
+            <a:extLst>
+              <a:ext uri="{FF2B5EF4-FFF2-40B4-BE49-F238E27FC236}">
+                <a16:creationId xmlns:a16="http://schemas.microsoft.com/office/drawing/2014/main" id="{11ED5E67-6799-4EC8-8501-B95DBC4D2E7C}"/>
+              </a:ext>
+            </a:extLst>
+          </p:cNvPr>
+          <p:cNvSpPr txBox="1">
+            <a:spLocks/>
+          </p:cNvSpPr>
+          <p:nvPr/>
+        </p:nvSpPr>
+        <p:spPr>
+          <a:xfrm>
+            <a:off x="-1696" y="0"/>
+            <a:ext cx="12193696" cy="926305"/>
+          </a:xfrm>
+          <a:prstGeom prst="rect">
+            <a:avLst/>
+          </a:prstGeom>
+          <a:solidFill>
+            <a:schemeClr val="tx1">
+              <a:alpha val="70000"/>
+            </a:schemeClr>
+          </a:solidFill>
+        </p:spPr>
+        <p:style>
+          <a:lnRef idx="0">
+            <a:schemeClr val="dk1">
+              <a:hueOff val="0"/>
+              <a:satOff val="0"/>
+              <a:lumOff val="0"/>
+              <a:alphaOff val="0"/>
+            </a:schemeClr>
+          </a:lnRef>
+          <a:fillRef idx="1">
+            <a:scrgbClr r="0" g="0" b="0"/>
+          </a:fillRef>
+          <a:effectRef idx="2">
+            <a:schemeClr val="bg1">
+              <a:lumMod val="95000"/>
+              <a:hueOff val="0"/>
+              <a:satOff val="0"/>
+              <a:lumOff val="0"/>
+              <a:alphaOff val="0"/>
+            </a:schemeClr>
+          </a:effectRef>
+          <a:fontRef idx="minor">
+            <a:schemeClr val="dk1">
+              <a:hueOff val="0"/>
+              <a:satOff val="0"/>
+              <a:lumOff val="0"/>
+              <a:alphaOff val="0"/>
+            </a:schemeClr>
+          </a:fontRef>
+        </p:style>
+        <p:txBody>
+          <a:bodyPr vert="horz" lIns="91440" tIns="45720" rIns="91440" bIns="45720" rtlCol="0">
+            <a:normAutofit/>
+          </a:bodyPr>
+          <a:lstStyle>
+            <a:lvl1pPr marL="228600" indent="-228600" algn="l" defTabSz="914400" rtl="0" eaLnBrk="1" latinLnBrk="0" hangingPunct="1">
+              <a:lnSpc>
+                <a:spcPct val="100000"/>
+              </a:lnSpc>
+              <a:spcBef>
+                <a:spcPts val="1000"/>
+              </a:spcBef>
+              <a:buClr>
+                <a:schemeClr val="accent2"/>
+              </a:buClr>
+              <a:buFont typeface="Arial" panose="020B0604020202020204" pitchFamily="34" charset="0"/>
+              <a:buChar char="•"/>
+              <a:defRPr sz="1800" kern="1200">
+                <a:solidFill>
+                  <a:schemeClr val="dk1">
+                    <a:hueOff val="0"/>
+                    <a:satOff val="0"/>
+                    <a:lumOff val="0"/>
+                    <a:alphaOff val="0"/>
+                  </a:schemeClr>
+                </a:solidFill>
+                <a:latin typeface="+mn-lt"/>
+                <a:ea typeface="+mn-ea"/>
+                <a:cs typeface="+mn-cs"/>
+              </a:defRPr>
+            </a:lvl1pPr>
+            <a:lvl2pPr marL="457200" indent="-228600" algn="l" defTabSz="914400" rtl="0" eaLnBrk="1" latinLnBrk="0" hangingPunct="1">
+              <a:lnSpc>
+                <a:spcPct val="100000"/>
+              </a:lnSpc>
+              <a:spcBef>
+                <a:spcPts val="1000"/>
+              </a:spcBef>
+              <a:buClr>
+                <a:schemeClr val="accent2"/>
+              </a:buClr>
+              <a:buFont typeface="Arial" panose="020B0604020202020204" pitchFamily="34" charset="0"/>
+              <a:buChar char="•"/>
+              <a:defRPr sz="1600" kern="1200">
+                <a:solidFill>
+                  <a:schemeClr val="dk1">
+                    <a:hueOff val="0"/>
+                    <a:satOff val="0"/>
+                    <a:lumOff val="0"/>
+                    <a:alphaOff val="0"/>
+                  </a:schemeClr>
+                </a:solidFill>
+                <a:latin typeface="+mn-lt"/>
+                <a:ea typeface="+mn-ea"/>
+                <a:cs typeface="+mn-cs"/>
+              </a:defRPr>
+            </a:lvl2pPr>
+            <a:lvl3pPr marL="685800" indent="-228600" algn="l" defTabSz="914400" rtl="0" eaLnBrk="1" latinLnBrk="0" hangingPunct="1">
+              <a:lnSpc>
+                <a:spcPct val="100000"/>
+              </a:lnSpc>
+              <a:spcBef>
+                <a:spcPts val="1000"/>
+              </a:spcBef>
+              <a:buClr>
+                <a:schemeClr val="accent2"/>
+              </a:buClr>
+              <a:buFont typeface="Arial" panose="020B0604020202020204" pitchFamily="34" charset="0"/>
+              <a:buChar char="•"/>
+              <a:defRPr sz="1600" kern="1200">
+                <a:solidFill>
+                  <a:schemeClr val="dk1">
+                    <a:hueOff val="0"/>
+                    <a:satOff val="0"/>
+                    <a:lumOff val="0"/>
+                    <a:alphaOff val="0"/>
+                  </a:schemeClr>
+                </a:solidFill>
+                <a:latin typeface="+mn-lt"/>
+                <a:ea typeface="+mn-ea"/>
+                <a:cs typeface="+mn-cs"/>
+              </a:defRPr>
+            </a:lvl3pPr>
+            <a:lvl4pPr marL="914400" indent="-228600" algn="l" defTabSz="914400" rtl="0" eaLnBrk="1" latinLnBrk="0" hangingPunct="1">
+              <a:lnSpc>
+                <a:spcPct val="100000"/>
+              </a:lnSpc>
+              <a:spcBef>
+                <a:spcPts val="1000"/>
+              </a:spcBef>
+              <a:buClr>
+                <a:schemeClr val="accent2"/>
+              </a:buClr>
+              <a:buFont typeface="Arial" panose="020B0604020202020204" pitchFamily="34" charset="0"/>
+              <a:buChar char="•"/>
+              <a:defRPr sz="1600" kern="1200">
+                <a:solidFill>
+                  <a:schemeClr val="dk1">
+                    <a:hueOff val="0"/>
+                    <a:satOff val="0"/>
+                    <a:lumOff val="0"/>
+                    <a:alphaOff val="0"/>
+                  </a:schemeClr>
+                </a:solidFill>
+                <a:latin typeface="+mn-lt"/>
+                <a:ea typeface="+mn-ea"/>
+                <a:cs typeface="+mn-cs"/>
+              </a:defRPr>
+            </a:lvl4pPr>
+            <a:lvl5pPr marL="1143000" indent="-228600" algn="l" defTabSz="914400" rtl="0" eaLnBrk="1" latinLnBrk="0" hangingPunct="1">
+              <a:lnSpc>
+                <a:spcPct val="100000"/>
+              </a:lnSpc>
+              <a:spcBef>
+                <a:spcPts val="1000"/>
+              </a:spcBef>
+              <a:buClr>
+                <a:schemeClr val="accent2"/>
+              </a:buClr>
+              <a:buFont typeface="Arial" panose="020B0604020202020204" pitchFamily="34" charset="0"/>
+              <a:buChar char="•"/>
+              <a:defRPr sz="1600" kern="1200">
+                <a:solidFill>
+                  <a:schemeClr val="dk1">
+                    <a:hueOff val="0"/>
+                    <a:satOff val="0"/>
+                    <a:lumOff val="0"/>
+                    <a:alphaOff val="0"/>
+                  </a:schemeClr>
+                </a:solidFill>
+                <a:latin typeface="+mn-lt"/>
+                <a:ea typeface="+mn-ea"/>
+                <a:cs typeface="+mn-cs"/>
+              </a:defRPr>
+            </a:lvl5pPr>
+            <a:lvl6pPr marL="1312863" indent="-228600" algn="l" defTabSz="914400" rtl="0" eaLnBrk="1" latinLnBrk="0" hangingPunct="1">
+              <a:lnSpc>
+                <a:spcPct val="100000"/>
+              </a:lnSpc>
+              <a:spcBef>
+                <a:spcPts val="1000"/>
+              </a:spcBef>
+              <a:buClr>
+                <a:schemeClr val="accent2"/>
+              </a:buClr>
+              <a:buFont typeface="Arial" panose="020B0604020202020204" pitchFamily="34" charset="0"/>
+              <a:buChar char="•"/>
+              <a:defRPr sz="1600" kern="1200">
+                <a:solidFill>
+                  <a:schemeClr val="dk1">
+                    <a:hueOff val="0"/>
+                    <a:satOff val="0"/>
+                    <a:lumOff val="0"/>
+                    <a:alphaOff val="0"/>
+                  </a:schemeClr>
+                </a:solidFill>
+                <a:latin typeface="+mn-lt"/>
+                <a:ea typeface="+mn-ea"/>
+                <a:cs typeface="+mn-cs"/>
+              </a:defRPr>
+            </a:lvl6pPr>
+            <a:lvl7pPr marL="1484313" indent="-228600" algn="l" defTabSz="914400" rtl="0" eaLnBrk="1" latinLnBrk="0" hangingPunct="1">
+              <a:lnSpc>
+                <a:spcPct val="100000"/>
+              </a:lnSpc>
+              <a:spcBef>
+                <a:spcPts val="1000"/>
+              </a:spcBef>
+              <a:buClr>
+                <a:schemeClr val="accent2"/>
+              </a:buClr>
+              <a:buFont typeface="Arial" panose="020B0604020202020204" pitchFamily="34" charset="0"/>
+              <a:buChar char="•"/>
+              <a:defRPr sz="1600" kern="1200">
+                <a:solidFill>
+                  <a:schemeClr val="dk1">
+                    <a:hueOff val="0"/>
+                    <a:satOff val="0"/>
+                    <a:lumOff val="0"/>
+                    <a:alphaOff val="0"/>
+                  </a:schemeClr>
+                </a:solidFill>
+                <a:latin typeface="+mn-lt"/>
+                <a:ea typeface="+mn-ea"/>
+                <a:cs typeface="+mn-cs"/>
+              </a:defRPr>
+            </a:lvl7pPr>
+            <a:lvl8pPr marL="1657350" indent="-228600" algn="l" defTabSz="914400" rtl="0" eaLnBrk="1" latinLnBrk="0" hangingPunct="1">
+              <a:lnSpc>
+                <a:spcPct val="100000"/>
+              </a:lnSpc>
+              <a:spcBef>
+                <a:spcPts val="1000"/>
+              </a:spcBef>
+              <a:buClr>
+                <a:schemeClr val="accent2"/>
+              </a:buClr>
+              <a:buFont typeface="Arial" panose="020B0604020202020204" pitchFamily="34" charset="0"/>
+              <a:buChar char="•"/>
+              <a:defRPr sz="1600" kern="1200" baseline="0">
+                <a:solidFill>
+                  <a:schemeClr val="dk1">
+                    <a:hueOff val="0"/>
+                    <a:satOff val="0"/>
+                    <a:lumOff val="0"/>
+                    <a:alphaOff val="0"/>
+                  </a:schemeClr>
+                </a:solidFill>
+                <a:latin typeface="+mn-lt"/>
+                <a:ea typeface="+mn-ea"/>
+                <a:cs typeface="+mn-cs"/>
+              </a:defRPr>
+            </a:lvl8pPr>
+            <a:lvl9pPr marL="1882775" indent="-228600" algn="l" defTabSz="914400" rtl="0" eaLnBrk="1" latinLnBrk="0" hangingPunct="1">
+              <a:lnSpc>
+                <a:spcPct val="100000"/>
+              </a:lnSpc>
+              <a:spcBef>
+                <a:spcPts val="1000"/>
+              </a:spcBef>
+              <a:buClr>
+                <a:schemeClr val="accent2"/>
+              </a:buClr>
+              <a:buFont typeface="Arial" panose="020B0604020202020204" pitchFamily="34" charset="0"/>
+              <a:buChar char="•"/>
+              <a:defRPr sz="1600" kern="1200" baseline="0">
+                <a:solidFill>
+                  <a:schemeClr val="dk1">
+                    <a:hueOff val="0"/>
+                    <a:satOff val="0"/>
+                    <a:lumOff val="0"/>
+                    <a:alphaOff val="0"/>
+                  </a:schemeClr>
+                </a:solidFill>
+                <a:latin typeface="+mn-lt"/>
+                <a:ea typeface="+mn-ea"/>
+                <a:cs typeface="+mn-cs"/>
+              </a:defRPr>
+            </a:lvl9pPr>
+          </a:lstStyle>
+          <a:p>
+            <a:pPr marL="0" indent="0">
+              <a:buNone/>
+            </a:pPr>
+            <a:r>
+              <a:rPr lang="de-DE" sz="4800" dirty="0">
+                <a:solidFill>
+                  <a:srgbClr val="00B0F0"/>
+                </a:solidFill>
+              </a:rPr>
+              <a:t>Eigenschaften</a:t>
+            </a:r>
+          </a:p>
+        </p:txBody>
+      </p:sp>
+    </p:spTree>
+    <p:extLst>
+      <p:ext uri="{BB962C8B-B14F-4D97-AF65-F5344CB8AC3E}">
+        <p14:creationId xmlns:p14="http://schemas.microsoft.com/office/powerpoint/2010/main" val="2824853318"/>
+      </p:ext>
+    </p:extLst>
+  </p:cSld>
+  <p:clrMapOvr>
+    <a:masterClrMapping/>
+  </p:clrMapOvr>
+  <p:timing>
+    <p:tnLst>
+      <p:par>
+        <p:cTn id="1" dur="indefinite" restart="never" nodeType="tmRoot">
+          <p:childTnLst>
+            <p:seq concurrent="1" nextAc="seek">
+              <p:cTn id="2" dur="indefinite" nodeType="mainSeq">
+                <p:childTnLst>
+                  <p:par>
+                    <p:cTn id="3" fill="hold">
+                      <p:stCondLst>
+                        <p:cond delay="indefinite"/>
+                      </p:stCondLst>
+                      <p:childTnLst>
+                        <p:par>
+                          <p:cTn id="4" fill="hold">
+                            <p:stCondLst>
+                              <p:cond delay="0"/>
+                            </p:stCondLst>
+                            <p:childTnLst>
+                              <p:par>
+                                <p:cTn id="5" presetID="1" presetClass="entr" presetSubtype="0" fill="hold" nodeType="clickEffect">
+                                  <p:stCondLst>
+                                    <p:cond delay="0"/>
+                                  </p:stCondLst>
+                                  <p:childTnLst>
+                                    <p:set>
+                                      <p:cBhvr>
+                                        <p:cTn id="6" dur="1" fill="hold">
+                                          <p:stCondLst>
+                                            <p:cond delay="0"/>
+                                          </p:stCondLst>
+                                        </p:cTn>
+                                        <p:tgtEl>
+                                          <p:spTgt spid="6">
+                                            <p:txEl>
+                                              <p:pRg st="0" end="0"/>
+                                            </p:txEl>
+                                          </p:spTgt>
+                                        </p:tgtEl>
+                                        <p:attrNameLst>
+                                          <p:attrName>style.visibility</p:attrName>
+                                        </p:attrNameLst>
+                                      </p:cBhvr>
+                                      <p:to>
+                                        <p:strVal val="visible"/>
+                                      </p:to>
+                                    </p:set>
+                                  </p:childTnLst>
+                                </p:cTn>
+                              </p:par>
+                            </p:childTnLst>
+                          </p:cTn>
+                        </p:par>
+                      </p:childTnLst>
+                    </p:cTn>
+                  </p:par>
+                  <p:par>
+                    <p:cTn id="7" fill="hold">
+                      <p:stCondLst>
+                        <p:cond delay="indefinite"/>
+                      </p:stCondLst>
+                      <p:childTnLst>
+                        <p:par>
+                          <p:cTn id="8" fill="hold">
+                            <p:stCondLst>
+                              <p:cond delay="0"/>
+                            </p:stCondLst>
+                            <p:childTnLst>
+                              <p:par>
+                                <p:cTn id="9" presetID="1" presetClass="entr" presetSubtype="0" fill="hold" nodeType="clickEffect">
+                                  <p:stCondLst>
+                                    <p:cond delay="0"/>
+                                  </p:stCondLst>
+                                  <p:childTnLst>
+                                    <p:set>
+                                      <p:cBhvr>
+                                        <p:cTn id="10" dur="1" fill="hold">
+                                          <p:stCondLst>
+                                            <p:cond delay="0"/>
+                                          </p:stCondLst>
+                                        </p:cTn>
+                                        <p:tgtEl>
+                                          <p:spTgt spid="6">
+                                            <p:txEl>
+                                              <p:pRg st="1" end="1"/>
+                                            </p:txEl>
+                                          </p:spTgt>
+                                        </p:tgtEl>
+                                        <p:attrNameLst>
+                                          <p:attrName>style.visibility</p:attrName>
+                                        </p:attrNameLst>
+                                      </p:cBhvr>
+                                      <p:to>
+                                        <p:strVal val="visible"/>
+                                      </p:to>
+                                    </p:set>
+                                  </p:childTnLst>
+                                </p:cTn>
+                              </p:par>
+                            </p:childTnLst>
+                          </p:cTn>
+                        </p:par>
+                      </p:childTnLst>
+                    </p:cTn>
+                  </p:par>
+                  <p:par>
+                    <p:cTn id="11" fill="hold">
+                      <p:stCondLst>
+                        <p:cond delay="indefinite"/>
+                      </p:stCondLst>
+                      <p:childTnLst>
+                        <p:par>
+                          <p:cTn id="12" fill="hold">
+                            <p:stCondLst>
+                              <p:cond delay="0"/>
+                            </p:stCondLst>
+                            <p:childTnLst>
+                              <p:par>
+                                <p:cTn id="13" presetID="1" presetClass="entr" presetSubtype="0" fill="hold" nodeType="clickEffect">
+                                  <p:stCondLst>
+                                    <p:cond delay="0"/>
+                                  </p:stCondLst>
+                                  <p:childTnLst>
+                                    <p:set>
+                                      <p:cBhvr>
+                                        <p:cTn id="14" dur="1" fill="hold">
+                                          <p:stCondLst>
+                                            <p:cond delay="0"/>
+                                          </p:stCondLst>
+                                        </p:cTn>
+                                        <p:tgtEl>
+                                          <p:spTgt spid="6">
+                                            <p:txEl>
+                                              <p:pRg st="2" end="2"/>
+                                            </p:txEl>
+                                          </p:spTgt>
+                                        </p:tgtEl>
+                                        <p:attrNameLst>
+                                          <p:attrName>style.visibility</p:attrName>
+                                        </p:attrNameLst>
+                                      </p:cBhvr>
+                                      <p:to>
+                                        <p:strVal val="visible"/>
+                                      </p:to>
+                                    </p:set>
+                                  </p:childTnLst>
+                                </p:cTn>
+                              </p:par>
+                            </p:childTnLst>
+                          </p:cTn>
+                        </p:par>
+                      </p:childTnLst>
+                    </p:cTn>
+                  </p:par>
+                  <p:par>
+                    <p:cTn id="15" fill="hold">
+                      <p:stCondLst>
+                        <p:cond delay="indefinite"/>
+                      </p:stCondLst>
+                      <p:childTnLst>
+                        <p:par>
+                          <p:cTn id="16" fill="hold">
+                            <p:stCondLst>
+                              <p:cond delay="0"/>
+                            </p:stCondLst>
+                            <p:childTnLst>
+                              <p:par>
+                                <p:cTn id="17" presetID="1" presetClass="entr" presetSubtype="0" fill="hold" nodeType="clickEffect">
+                                  <p:stCondLst>
+                                    <p:cond delay="0"/>
+                                  </p:stCondLst>
+                                  <p:childTnLst>
+                                    <p:set>
+                                      <p:cBhvr>
+                                        <p:cTn id="18" dur="1" fill="hold">
+                                          <p:stCondLst>
+                                            <p:cond delay="0"/>
+                                          </p:stCondLst>
+                                        </p:cTn>
+                                        <p:tgtEl>
+                                          <p:spTgt spid="6">
+                                            <p:txEl>
+                                              <p:pRg st="3" end="3"/>
+                                            </p:txEl>
+                                          </p:spTgt>
+                                        </p:tgtEl>
+                                        <p:attrNameLst>
+                                          <p:attrName>style.visibility</p:attrName>
+                                        </p:attrNameLst>
+                                      </p:cBhvr>
+                                      <p:to>
+                                        <p:strVal val="visible"/>
+                                      </p:to>
+                                    </p:set>
+                                  </p:childTnLst>
+                                </p:cTn>
+                              </p:par>
+                            </p:childTnLst>
+                          </p:cTn>
+                        </p:par>
+                      </p:childTnLst>
+                    </p:cTn>
+                  </p:par>
+                  <p:par>
+                    <p:cTn id="19" fill="hold">
+                      <p:stCondLst>
+                        <p:cond delay="indefinite"/>
+                      </p:stCondLst>
+                      <p:childTnLst>
+                        <p:par>
+                          <p:cTn id="20" fill="hold">
+                            <p:stCondLst>
+                              <p:cond delay="0"/>
+                            </p:stCondLst>
+                            <p:childTnLst>
+                              <p:par>
+                                <p:cTn id="21" presetID="1" presetClass="entr" presetSubtype="0" fill="hold" nodeType="clickEffect">
+                                  <p:stCondLst>
+                                    <p:cond delay="0"/>
+                                  </p:stCondLst>
+                                  <p:childTnLst>
+                                    <p:set>
+                                      <p:cBhvr>
+                                        <p:cTn id="22" dur="1" fill="hold">
+                                          <p:stCondLst>
+                                            <p:cond delay="0"/>
+                                          </p:stCondLst>
+                                        </p:cTn>
+                                        <p:tgtEl>
+                                          <p:spTgt spid="6">
+                                            <p:txEl>
+                                              <p:pRg st="4" end="4"/>
+                                            </p:txEl>
+                                          </p:spTgt>
+                                        </p:tgtEl>
+                                        <p:attrNameLst>
+                                          <p:attrName>style.visibility</p:attrName>
+                                        </p:attrNameLst>
+                                      </p:cBhvr>
+                                      <p:to>
+                                        <p:strVal val="visible"/>
+                                      </p:to>
+                                    </p:set>
+                                  </p:childTnLst>
+                                </p:cTn>
+                              </p:par>
+                            </p:childTnLst>
+                          </p:cTn>
+                        </p:par>
+                      </p:childTnLst>
+                    </p:cTn>
+                  </p:par>
+                </p:childTnLst>
+              </p:cTn>
+              <p:prevCondLst>
+                <p:cond evt="onPrev" delay="0">
+                  <p:tgtEl>
+                    <p:sldTgt/>
+                  </p:tgtEl>
+                </p:cond>
+              </p:prevCondLst>
+              <p:nextCondLst>
+                <p:cond evt="onNext" delay="0">
+                  <p:tgtEl>
+                    <p:sldTgt/>
+                  </p:tgtEl>
+                </p:cond>
+              </p:nextCondLst>
+            </p:seq>
+          </p:childTnLst>
+        </p:cTn>
+      </p:par>
+    </p:tnLst>
+  </p:timing>
+</p:sld>
+</file>
+
+<file path=ppt/slides/slide40.xml><?xml version="1.0" encoding="utf-8"?>
+<p:sld xmlns:a="http://schemas.openxmlformats.org/drawingml/2006/main" xmlns:r="http://schemas.openxmlformats.org/officeDocument/2006/relationships" xmlns:p="http://schemas.openxmlformats.org/presentationml/2006/main">
+  <p:cSld>
+    <p:bg>
+      <p:bgPr>
+        <a:solidFill>
           <a:schemeClr val="bg1"/>
         </a:solidFill>
         <a:effectLst/>
@@ -29890,7 +31614,7 @@
 </p:sld>
 </file>
 
-<file path=ppt/slides/slide39.xml><?xml version="1.0" encoding="utf-8"?>
+<file path=ppt/slides/slide41.xml><?xml version="1.0" encoding="utf-8"?>
 <p:sld xmlns:a="http://schemas.openxmlformats.org/drawingml/2006/main" xmlns:r="http://schemas.openxmlformats.org/officeDocument/2006/relationships" xmlns:p="http://schemas.openxmlformats.org/presentationml/2006/main">
   <p:cSld>
     <p:spTree>
@@ -31351,1215 +33075,7 @@
 </p:sld>
 </file>
 
-<file path=ppt/slides/slide4.xml><?xml version="1.0" encoding="utf-8"?>
-<p:sld xmlns:a="http://schemas.openxmlformats.org/drawingml/2006/main" xmlns:r="http://schemas.openxmlformats.org/officeDocument/2006/relationships" xmlns:p="http://schemas.openxmlformats.org/presentationml/2006/main">
-  <p:cSld>
-    <p:spTree>
-      <p:nvGrpSpPr>
-        <p:cNvPr id="1" name=""/>
-        <p:cNvGrpSpPr/>
-        <p:nvPr/>
-      </p:nvGrpSpPr>
-      <p:grpSpPr>
-        <a:xfrm>
-          <a:off x="0" y="0"/>
-          <a:ext cx="0" cy="0"/>
-          <a:chOff x="0" y="0"/>
-          <a:chExt cx="0" cy="0"/>
-        </a:xfrm>
-      </p:grpSpPr>
-      <p:sp useBgFill="1">
-        <p:nvSpPr>
-          <p:cNvPr id="2" name="Rectangle 9">
-            <a:extLst>
-              <a:ext uri="{FF2B5EF4-FFF2-40B4-BE49-F238E27FC236}">
-                <a16:creationId xmlns:a16="http://schemas.microsoft.com/office/drawing/2014/main" id="{2D1AE908-7BCF-467B-9313-A808C0E9BA86}"/>
-              </a:ext>
-              <a:ext uri="{C183D7F6-B498-43B3-948B-1728B52AA6E4}">
-                <adec:decorative xmlns:adec="http://schemas.microsoft.com/office/drawing/2017/decorative" val="1"/>
-              </a:ext>
-            </a:extLst>
-          </p:cNvPr>
-          <p:cNvSpPr>
-            <a:spLocks noGrp="1" noRot="1" noChangeAspect="1" noMove="1" noResize="1" noEditPoints="1" noAdjustHandles="1" noChangeArrowheads="1" noChangeShapeType="1" noTextEdit="1"/>
-          </p:cNvSpPr>
-          <p:nvPr>
-            <p:extLst>
-              <p:ext uri="{386F3935-93C4-4BCD-93E2-E3B085C9AB24}">
-                <p16:designElem xmlns:p16="http://schemas.microsoft.com/office/powerpoint/2015/main" val="1"/>
-              </p:ext>
-            </p:extLst>
-          </p:nvPr>
-        </p:nvSpPr>
-        <p:spPr>
-          <a:xfrm>
-            <a:off x="0" y="0"/>
-            <a:ext cx="12191999" cy="6858000"/>
-          </a:xfrm>
-          <a:prstGeom prst="rect">
-            <a:avLst/>
-          </a:prstGeom>
-          <a:ln>
-            <a:noFill/>
-          </a:ln>
-        </p:spPr>
-        <p:style>
-          <a:lnRef idx="2">
-            <a:schemeClr val="accent1">
-              <a:shade val="50000"/>
-            </a:schemeClr>
-          </a:lnRef>
-          <a:fillRef idx="1">
-            <a:schemeClr val="accent1"/>
-          </a:fillRef>
-          <a:effectRef idx="0">
-            <a:schemeClr val="accent1"/>
-          </a:effectRef>
-          <a:fontRef idx="minor">
-            <a:schemeClr val="lt1"/>
-          </a:fontRef>
-        </p:style>
-        <p:txBody>
-          <a:bodyPr rtlCol="0" anchor="ctr"/>
-          <a:lstStyle/>
-          <a:p>
-            <a:pPr algn="ctr"/>
-            <a:endParaRPr lang="en-US" dirty="0"/>
-          </a:p>
-        </p:txBody>
-      </p:sp>
-      <p:sp>
-        <p:nvSpPr>
-          <p:cNvPr id="3" name="Rectangle 11">
-            <a:extLst>
-              <a:ext uri="{FF2B5EF4-FFF2-40B4-BE49-F238E27FC236}">
-                <a16:creationId xmlns:a16="http://schemas.microsoft.com/office/drawing/2014/main" id="{6A201AB6-12EC-4D18-99AE-8D2183F046E0}"/>
-              </a:ext>
-              <a:ext uri="{C183D7F6-B498-43B3-948B-1728B52AA6E4}">
-                <adec:decorative xmlns:adec="http://schemas.microsoft.com/office/drawing/2017/decorative" val="1"/>
-              </a:ext>
-            </a:extLst>
-          </p:cNvPr>
-          <p:cNvSpPr>
-            <a:spLocks noGrp="1" noRot="1" noChangeAspect="1" noMove="1" noResize="1" noEditPoints="1" noAdjustHandles="1" noChangeArrowheads="1" noChangeShapeType="1" noTextEdit="1"/>
-          </p:cNvSpPr>
-          <p:nvPr>
-            <p:extLst>
-              <p:ext uri="{386F3935-93C4-4BCD-93E2-E3B085C9AB24}">
-                <p16:designElem xmlns:p16="http://schemas.microsoft.com/office/powerpoint/2015/main" val="1"/>
-              </p:ext>
-            </p:extLst>
-          </p:nvPr>
-        </p:nvSpPr>
-        <p:spPr>
-          <a:xfrm>
-            <a:off x="0" y="0"/>
-            <a:ext cx="4654296" cy="6858000"/>
-          </a:xfrm>
-          <a:prstGeom prst="rect">
-            <a:avLst/>
-          </a:prstGeom>
-          <a:solidFill>
-            <a:schemeClr val="tx1">
-              <a:lumMod val="95000"/>
-              <a:lumOff val="5000"/>
-            </a:schemeClr>
-          </a:solidFill>
-          <a:ln>
-            <a:noFill/>
-          </a:ln>
-        </p:spPr>
-        <p:style>
-          <a:lnRef idx="0">
-            <a:scrgbClr r="0" g="0" b="0"/>
-          </a:lnRef>
-          <a:fillRef idx="0">
-            <a:scrgbClr r="0" g="0" b="0"/>
-          </a:fillRef>
-          <a:effectRef idx="0">
-            <a:scrgbClr r="0" g="0" b="0"/>
-          </a:effectRef>
-          <a:fontRef idx="minor">
-            <a:schemeClr val="lt1"/>
-          </a:fontRef>
-        </p:style>
-        <p:txBody>
-          <a:bodyPr rtlCol="0" anchor="ctr"/>
-          <a:lstStyle/>
-          <a:p>
-            <a:pPr algn="ctr"/>
-            <a:endParaRPr lang="en-US" dirty="0"/>
-          </a:p>
-        </p:txBody>
-      </p:sp>
-      <p:sp>
-        <p:nvSpPr>
-          <p:cNvPr id="4" name="Title 1">
-            <a:extLst>
-              <a:ext uri="{FF2B5EF4-FFF2-40B4-BE49-F238E27FC236}">
-                <a16:creationId xmlns:a16="http://schemas.microsoft.com/office/drawing/2014/main" id="{47A336E4-847F-4A97-9CCA-1896E5EC45A0}"/>
-              </a:ext>
-            </a:extLst>
-          </p:cNvPr>
-          <p:cNvSpPr txBox="1">
-            <a:spLocks/>
-          </p:cNvSpPr>
-          <p:nvPr/>
-        </p:nvSpPr>
-        <p:spPr>
-          <a:xfrm>
-            <a:off x="64981" y="178408"/>
-            <a:ext cx="3554665" cy="747897"/>
-          </a:xfrm>
-          <a:prstGeom prst="rect">
-            <a:avLst/>
-          </a:prstGeom>
-          <a:noFill/>
-          <a:ln>
-            <a:solidFill>
-              <a:schemeClr val="bg1"/>
-            </a:solidFill>
-          </a:ln>
-          <a:effectLst>
-            <a:glow rad="152400">
-              <a:schemeClr val="bg1">
-                <a:alpha val="13000"/>
-              </a:schemeClr>
-            </a:glow>
-          </a:effectLst>
-        </p:spPr>
-        <p:txBody>
-          <a:bodyPr wrap="square">
-            <a:normAutofit fontScale="97500"/>
-          </a:bodyPr>
-          <a:lstStyle>
-            <a:lvl1pPr algn="ctr" defTabSz="914400" rtl="0" eaLnBrk="1" latinLnBrk="0" hangingPunct="1">
-              <a:lnSpc>
-                <a:spcPct val="90000"/>
-              </a:lnSpc>
-              <a:spcBef>
-                <a:spcPct val="0"/>
-              </a:spcBef>
-              <a:buNone/>
-              <a:defRPr sz="2800" kern="1200" cap="all" spc="200" baseline="0">
-                <a:solidFill>
-                  <a:srgbClr val="262626"/>
-                </a:solidFill>
-                <a:latin typeface="+mj-lt"/>
-                <a:ea typeface="+mj-ea"/>
-                <a:cs typeface="+mj-cs"/>
-              </a:defRPr>
-            </a:lvl1pPr>
-          </a:lstStyle>
-          <a:p>
-            <a:r>
-              <a:rPr lang="en-US">
-                <a:solidFill>
-                  <a:schemeClr val="bg1"/>
-                </a:solidFill>
-              </a:rPr>
-              <a:t>Eigenschaften</a:t>
-            </a:r>
-            <a:endParaRPr lang="en-US" dirty="0">
-              <a:solidFill>
-                <a:schemeClr val="bg1"/>
-              </a:solidFill>
-            </a:endParaRPr>
-          </a:p>
-        </p:txBody>
-      </p:sp>
-      <p:pic>
-        <p:nvPicPr>
-          <p:cNvPr id="5" name="Picture 3" descr="Finance trade numbers">
-            <a:extLst>
-              <a:ext uri="{FF2B5EF4-FFF2-40B4-BE49-F238E27FC236}">
-                <a16:creationId xmlns:a16="http://schemas.microsoft.com/office/drawing/2014/main" id="{40B7FE54-3846-4C98-B20A-A63359DF55BC}"/>
-              </a:ext>
-            </a:extLst>
-          </p:cNvPr>
-          <p:cNvPicPr>
-            <a:picLocks noChangeAspect="1"/>
-          </p:cNvPicPr>
-          <p:nvPr/>
-        </p:nvPicPr>
-        <p:blipFill rotWithShape="1">
-          <a:blip r:embed="rId2" cstate="print">
-            <a:extLst>
-              <a:ext uri="{28A0092B-C50C-407E-A947-70E740481C1C}">
-                <a14:useLocalDpi xmlns:a14="http://schemas.microsoft.com/office/drawing/2010/main"/>
-              </a:ext>
-            </a:extLst>
-          </a:blip>
-          <a:srcRect/>
-          <a:stretch/>
-        </p:blipFill>
-        <p:spPr>
-          <a:xfrm>
-            <a:off x="1" y="0"/>
-            <a:ext cx="12193694" cy="6858000"/>
-          </a:xfrm>
-          <a:prstGeom prst="rect">
-            <a:avLst/>
-          </a:prstGeom>
-        </p:spPr>
-      </p:pic>
-      <p:sp>
-        <p:nvSpPr>
-          <p:cNvPr id="6" name="Content Placeholder 8">
-            <a:extLst>
-              <a:ext uri="{FF2B5EF4-FFF2-40B4-BE49-F238E27FC236}">
-                <a16:creationId xmlns:a16="http://schemas.microsoft.com/office/drawing/2014/main" id="{1B8540D2-E06C-46EE-A20D-99A2C7729DE5}"/>
-              </a:ext>
-            </a:extLst>
-          </p:cNvPr>
-          <p:cNvSpPr txBox="1">
-            <a:spLocks/>
-          </p:cNvSpPr>
-          <p:nvPr/>
-        </p:nvSpPr>
-        <p:spPr>
-          <a:xfrm>
-            <a:off x="1591760" y="1746353"/>
-            <a:ext cx="10600240" cy="4291598"/>
-          </a:xfrm>
-          <a:prstGeom prst="rect">
-            <a:avLst/>
-          </a:prstGeom>
-          <a:solidFill>
-            <a:schemeClr val="tx1">
-              <a:alpha val="70000"/>
-            </a:schemeClr>
-          </a:solidFill>
-        </p:spPr>
-        <p:style>
-          <a:lnRef idx="0">
-            <a:schemeClr val="dk1">
-              <a:hueOff val="0"/>
-              <a:satOff val="0"/>
-              <a:lumOff val="0"/>
-              <a:alphaOff val="0"/>
-            </a:schemeClr>
-          </a:lnRef>
-          <a:fillRef idx="1">
-            <a:scrgbClr r="0" g="0" b="0"/>
-          </a:fillRef>
-          <a:effectRef idx="2">
-            <a:schemeClr val="bg1">
-              <a:lumMod val="95000"/>
-              <a:hueOff val="0"/>
-              <a:satOff val="0"/>
-              <a:lumOff val="0"/>
-              <a:alphaOff val="0"/>
-            </a:schemeClr>
-          </a:effectRef>
-          <a:fontRef idx="minor">
-            <a:schemeClr val="dk1">
-              <a:hueOff val="0"/>
-              <a:satOff val="0"/>
-              <a:lumOff val="0"/>
-              <a:alphaOff val="0"/>
-            </a:schemeClr>
-          </a:fontRef>
-        </p:style>
-        <p:txBody>
-          <a:bodyPr>
-            <a:normAutofit/>
-          </a:bodyPr>
-          <a:lstStyle>
-            <a:lvl1pPr marL="228600" indent="-228600" algn="l" defTabSz="914400" rtl="0" eaLnBrk="1" latinLnBrk="0" hangingPunct="1">
-              <a:lnSpc>
-                <a:spcPct val="100000"/>
-              </a:lnSpc>
-              <a:spcBef>
-                <a:spcPts val="1000"/>
-              </a:spcBef>
-              <a:buClr>
-                <a:schemeClr val="accent2"/>
-              </a:buClr>
-              <a:buFont typeface="Arial" panose="020B0604020202020204" pitchFamily="34" charset="0"/>
-              <a:buChar char="•"/>
-              <a:defRPr sz="1800" kern="1200">
-                <a:solidFill>
-                  <a:schemeClr val="dk1">
-                    <a:hueOff val="0"/>
-                    <a:satOff val="0"/>
-                    <a:lumOff val="0"/>
-                    <a:alphaOff val="0"/>
-                  </a:schemeClr>
-                </a:solidFill>
-                <a:latin typeface="+mn-lt"/>
-                <a:ea typeface="+mn-ea"/>
-                <a:cs typeface="+mn-cs"/>
-              </a:defRPr>
-            </a:lvl1pPr>
-            <a:lvl2pPr marL="457200" indent="-228600" algn="l" defTabSz="914400" rtl="0" eaLnBrk="1" latinLnBrk="0" hangingPunct="1">
-              <a:lnSpc>
-                <a:spcPct val="100000"/>
-              </a:lnSpc>
-              <a:spcBef>
-                <a:spcPts val="1000"/>
-              </a:spcBef>
-              <a:buClr>
-                <a:schemeClr val="accent2"/>
-              </a:buClr>
-              <a:buFont typeface="Arial" panose="020B0604020202020204" pitchFamily="34" charset="0"/>
-              <a:buChar char="•"/>
-              <a:defRPr sz="1600" kern="1200">
-                <a:solidFill>
-                  <a:schemeClr val="dk1">
-                    <a:hueOff val="0"/>
-                    <a:satOff val="0"/>
-                    <a:lumOff val="0"/>
-                    <a:alphaOff val="0"/>
-                  </a:schemeClr>
-                </a:solidFill>
-                <a:latin typeface="+mn-lt"/>
-                <a:ea typeface="+mn-ea"/>
-                <a:cs typeface="+mn-cs"/>
-              </a:defRPr>
-            </a:lvl2pPr>
-            <a:lvl3pPr marL="685800" indent="-228600" algn="l" defTabSz="914400" rtl="0" eaLnBrk="1" latinLnBrk="0" hangingPunct="1">
-              <a:lnSpc>
-                <a:spcPct val="100000"/>
-              </a:lnSpc>
-              <a:spcBef>
-                <a:spcPts val="1000"/>
-              </a:spcBef>
-              <a:buClr>
-                <a:schemeClr val="accent2"/>
-              </a:buClr>
-              <a:buFont typeface="Arial" panose="020B0604020202020204" pitchFamily="34" charset="0"/>
-              <a:buChar char="•"/>
-              <a:defRPr sz="1600" kern="1200">
-                <a:solidFill>
-                  <a:schemeClr val="dk1">
-                    <a:hueOff val="0"/>
-                    <a:satOff val="0"/>
-                    <a:lumOff val="0"/>
-                    <a:alphaOff val="0"/>
-                  </a:schemeClr>
-                </a:solidFill>
-                <a:latin typeface="+mn-lt"/>
-                <a:ea typeface="+mn-ea"/>
-                <a:cs typeface="+mn-cs"/>
-              </a:defRPr>
-            </a:lvl3pPr>
-            <a:lvl4pPr marL="914400" indent="-228600" algn="l" defTabSz="914400" rtl="0" eaLnBrk="1" latinLnBrk="0" hangingPunct="1">
-              <a:lnSpc>
-                <a:spcPct val="100000"/>
-              </a:lnSpc>
-              <a:spcBef>
-                <a:spcPts val="1000"/>
-              </a:spcBef>
-              <a:buClr>
-                <a:schemeClr val="accent2"/>
-              </a:buClr>
-              <a:buFont typeface="Arial" panose="020B0604020202020204" pitchFamily="34" charset="0"/>
-              <a:buChar char="•"/>
-              <a:defRPr sz="1600" kern="1200">
-                <a:solidFill>
-                  <a:schemeClr val="dk1">
-                    <a:hueOff val="0"/>
-                    <a:satOff val="0"/>
-                    <a:lumOff val="0"/>
-                    <a:alphaOff val="0"/>
-                  </a:schemeClr>
-                </a:solidFill>
-                <a:latin typeface="+mn-lt"/>
-                <a:ea typeface="+mn-ea"/>
-                <a:cs typeface="+mn-cs"/>
-              </a:defRPr>
-            </a:lvl4pPr>
-            <a:lvl5pPr marL="1143000" indent="-228600" algn="l" defTabSz="914400" rtl="0" eaLnBrk="1" latinLnBrk="0" hangingPunct="1">
-              <a:lnSpc>
-                <a:spcPct val="100000"/>
-              </a:lnSpc>
-              <a:spcBef>
-                <a:spcPts val="1000"/>
-              </a:spcBef>
-              <a:buClr>
-                <a:schemeClr val="accent2"/>
-              </a:buClr>
-              <a:buFont typeface="Arial" panose="020B0604020202020204" pitchFamily="34" charset="0"/>
-              <a:buChar char="•"/>
-              <a:defRPr sz="1600" kern="1200">
-                <a:solidFill>
-                  <a:schemeClr val="dk1">
-                    <a:hueOff val="0"/>
-                    <a:satOff val="0"/>
-                    <a:lumOff val="0"/>
-                    <a:alphaOff val="0"/>
-                  </a:schemeClr>
-                </a:solidFill>
-                <a:latin typeface="+mn-lt"/>
-                <a:ea typeface="+mn-ea"/>
-                <a:cs typeface="+mn-cs"/>
-              </a:defRPr>
-            </a:lvl5pPr>
-            <a:lvl6pPr marL="1312863" indent="-228600" algn="l" defTabSz="914400" rtl="0" eaLnBrk="1" latinLnBrk="0" hangingPunct="1">
-              <a:lnSpc>
-                <a:spcPct val="100000"/>
-              </a:lnSpc>
-              <a:spcBef>
-                <a:spcPts val="1000"/>
-              </a:spcBef>
-              <a:buClr>
-                <a:schemeClr val="accent2"/>
-              </a:buClr>
-              <a:buFont typeface="Arial" panose="020B0604020202020204" pitchFamily="34" charset="0"/>
-              <a:buChar char="•"/>
-              <a:defRPr sz="1600" kern="1200">
-                <a:solidFill>
-                  <a:schemeClr val="dk1">
-                    <a:hueOff val="0"/>
-                    <a:satOff val="0"/>
-                    <a:lumOff val="0"/>
-                    <a:alphaOff val="0"/>
-                  </a:schemeClr>
-                </a:solidFill>
-                <a:latin typeface="+mn-lt"/>
-                <a:ea typeface="+mn-ea"/>
-                <a:cs typeface="+mn-cs"/>
-              </a:defRPr>
-            </a:lvl6pPr>
-            <a:lvl7pPr marL="1484313" indent="-228600" algn="l" defTabSz="914400" rtl="0" eaLnBrk="1" latinLnBrk="0" hangingPunct="1">
-              <a:lnSpc>
-                <a:spcPct val="100000"/>
-              </a:lnSpc>
-              <a:spcBef>
-                <a:spcPts val="1000"/>
-              </a:spcBef>
-              <a:buClr>
-                <a:schemeClr val="accent2"/>
-              </a:buClr>
-              <a:buFont typeface="Arial" panose="020B0604020202020204" pitchFamily="34" charset="0"/>
-              <a:buChar char="•"/>
-              <a:defRPr sz="1600" kern="1200">
-                <a:solidFill>
-                  <a:schemeClr val="dk1">
-                    <a:hueOff val="0"/>
-                    <a:satOff val="0"/>
-                    <a:lumOff val="0"/>
-                    <a:alphaOff val="0"/>
-                  </a:schemeClr>
-                </a:solidFill>
-                <a:latin typeface="+mn-lt"/>
-                <a:ea typeface="+mn-ea"/>
-                <a:cs typeface="+mn-cs"/>
-              </a:defRPr>
-            </a:lvl7pPr>
-            <a:lvl8pPr marL="1657350" indent="-228600" algn="l" defTabSz="914400" rtl="0" eaLnBrk="1" latinLnBrk="0" hangingPunct="1">
-              <a:lnSpc>
-                <a:spcPct val="100000"/>
-              </a:lnSpc>
-              <a:spcBef>
-                <a:spcPts val="1000"/>
-              </a:spcBef>
-              <a:buClr>
-                <a:schemeClr val="accent2"/>
-              </a:buClr>
-              <a:buFont typeface="Arial" panose="020B0604020202020204" pitchFamily="34" charset="0"/>
-              <a:buChar char="•"/>
-              <a:defRPr sz="1600" kern="1200" baseline="0">
-                <a:solidFill>
-                  <a:schemeClr val="dk1">
-                    <a:hueOff val="0"/>
-                    <a:satOff val="0"/>
-                    <a:lumOff val="0"/>
-                    <a:alphaOff val="0"/>
-                  </a:schemeClr>
-                </a:solidFill>
-                <a:latin typeface="+mn-lt"/>
-                <a:ea typeface="+mn-ea"/>
-                <a:cs typeface="+mn-cs"/>
-              </a:defRPr>
-            </a:lvl8pPr>
-            <a:lvl9pPr marL="1882775" indent="-228600" algn="l" defTabSz="914400" rtl="0" eaLnBrk="1" latinLnBrk="0" hangingPunct="1">
-              <a:lnSpc>
-                <a:spcPct val="100000"/>
-              </a:lnSpc>
-              <a:spcBef>
-                <a:spcPts val="1000"/>
-              </a:spcBef>
-              <a:buClr>
-                <a:schemeClr val="accent2"/>
-              </a:buClr>
-              <a:buFont typeface="Arial" panose="020B0604020202020204" pitchFamily="34" charset="0"/>
-              <a:buChar char="•"/>
-              <a:defRPr sz="1600" kern="1200" baseline="0">
-                <a:solidFill>
-                  <a:schemeClr val="dk1">
-                    <a:hueOff val="0"/>
-                    <a:satOff val="0"/>
-                    <a:lumOff val="0"/>
-                    <a:alphaOff val="0"/>
-                  </a:schemeClr>
-                </a:solidFill>
-                <a:latin typeface="+mn-lt"/>
-                <a:ea typeface="+mn-ea"/>
-                <a:cs typeface="+mn-cs"/>
-              </a:defRPr>
-            </a:lvl9pPr>
-          </a:lstStyle>
-          <a:p>
-            <a:r>
-              <a:rPr lang="de-DE" sz="4800" dirty="0">
-                <a:solidFill>
-                  <a:schemeClr val="bg1"/>
-                </a:solidFill>
-              </a:rPr>
-              <a:t>Aussagekraft</a:t>
-            </a:r>
-          </a:p>
-          <a:p>
-            <a:r>
-              <a:rPr lang="de-DE" sz="4800" dirty="0">
-                <a:solidFill>
-                  <a:schemeClr val="bg1"/>
-                </a:solidFill>
-              </a:rPr>
-              <a:t>Zielorientiert</a:t>
-            </a:r>
-            <a:endParaRPr lang="de-AT" sz="4800" dirty="0">
-              <a:solidFill>
-                <a:schemeClr val="bg1"/>
-              </a:solidFill>
-            </a:endParaRPr>
-          </a:p>
-          <a:p>
-            <a:r>
-              <a:rPr lang="de-DE" sz="4800" dirty="0">
-                <a:solidFill>
-                  <a:schemeClr val="bg1"/>
-                </a:solidFill>
-              </a:rPr>
-              <a:t>Wirtschaftlich</a:t>
-            </a:r>
-          </a:p>
-          <a:p>
-            <a:r>
-              <a:rPr lang="de-DE" sz="4800" dirty="0">
-                <a:solidFill>
-                  <a:schemeClr val="bg1"/>
-                </a:solidFill>
-              </a:rPr>
-              <a:t>Reversibilität</a:t>
-            </a:r>
-          </a:p>
-          <a:p>
-            <a:r>
-              <a:rPr lang="de-DE" sz="4800" dirty="0">
-                <a:solidFill>
-                  <a:schemeClr val="bg1"/>
-                </a:solidFill>
-              </a:rPr>
-              <a:t>Zweck</a:t>
-            </a:r>
-          </a:p>
-        </p:txBody>
-      </p:sp>
-      <p:sp>
-        <p:nvSpPr>
-          <p:cNvPr id="7" name="Content Placeholder 8">
-            <a:extLst>
-              <a:ext uri="{FF2B5EF4-FFF2-40B4-BE49-F238E27FC236}">
-                <a16:creationId xmlns:a16="http://schemas.microsoft.com/office/drawing/2014/main" id="{11ED5E67-6799-4EC8-8501-B95DBC4D2E7C}"/>
-              </a:ext>
-            </a:extLst>
-          </p:cNvPr>
-          <p:cNvSpPr txBox="1">
-            <a:spLocks/>
-          </p:cNvSpPr>
-          <p:nvPr/>
-        </p:nvSpPr>
-        <p:spPr>
-          <a:xfrm>
-            <a:off x="-1696" y="0"/>
-            <a:ext cx="12193696" cy="926305"/>
-          </a:xfrm>
-          <a:prstGeom prst="rect">
-            <a:avLst/>
-          </a:prstGeom>
-          <a:solidFill>
-            <a:schemeClr val="tx1">
-              <a:alpha val="70000"/>
-            </a:schemeClr>
-          </a:solidFill>
-        </p:spPr>
-        <p:style>
-          <a:lnRef idx="0">
-            <a:schemeClr val="dk1">
-              <a:hueOff val="0"/>
-              <a:satOff val="0"/>
-              <a:lumOff val="0"/>
-              <a:alphaOff val="0"/>
-            </a:schemeClr>
-          </a:lnRef>
-          <a:fillRef idx="1">
-            <a:scrgbClr r="0" g="0" b="0"/>
-          </a:fillRef>
-          <a:effectRef idx="2">
-            <a:schemeClr val="bg1">
-              <a:lumMod val="95000"/>
-              <a:hueOff val="0"/>
-              <a:satOff val="0"/>
-              <a:lumOff val="0"/>
-              <a:alphaOff val="0"/>
-            </a:schemeClr>
-          </a:effectRef>
-          <a:fontRef idx="minor">
-            <a:schemeClr val="dk1">
-              <a:hueOff val="0"/>
-              <a:satOff val="0"/>
-              <a:lumOff val="0"/>
-              <a:alphaOff val="0"/>
-            </a:schemeClr>
-          </a:fontRef>
-        </p:style>
-        <p:txBody>
-          <a:bodyPr vert="horz" lIns="91440" tIns="45720" rIns="91440" bIns="45720" rtlCol="0">
-            <a:normAutofit/>
-          </a:bodyPr>
-          <a:lstStyle>
-            <a:lvl1pPr marL="228600" indent="-228600" algn="l" defTabSz="914400" rtl="0" eaLnBrk="1" latinLnBrk="0" hangingPunct="1">
-              <a:lnSpc>
-                <a:spcPct val="100000"/>
-              </a:lnSpc>
-              <a:spcBef>
-                <a:spcPts val="1000"/>
-              </a:spcBef>
-              <a:buClr>
-                <a:schemeClr val="accent2"/>
-              </a:buClr>
-              <a:buFont typeface="Arial" panose="020B0604020202020204" pitchFamily="34" charset="0"/>
-              <a:buChar char="•"/>
-              <a:defRPr sz="1800" kern="1200">
-                <a:solidFill>
-                  <a:schemeClr val="dk1">
-                    <a:hueOff val="0"/>
-                    <a:satOff val="0"/>
-                    <a:lumOff val="0"/>
-                    <a:alphaOff val="0"/>
-                  </a:schemeClr>
-                </a:solidFill>
-                <a:latin typeface="+mn-lt"/>
-                <a:ea typeface="+mn-ea"/>
-                <a:cs typeface="+mn-cs"/>
-              </a:defRPr>
-            </a:lvl1pPr>
-            <a:lvl2pPr marL="457200" indent="-228600" algn="l" defTabSz="914400" rtl="0" eaLnBrk="1" latinLnBrk="0" hangingPunct="1">
-              <a:lnSpc>
-                <a:spcPct val="100000"/>
-              </a:lnSpc>
-              <a:spcBef>
-                <a:spcPts val="1000"/>
-              </a:spcBef>
-              <a:buClr>
-                <a:schemeClr val="accent2"/>
-              </a:buClr>
-              <a:buFont typeface="Arial" panose="020B0604020202020204" pitchFamily="34" charset="0"/>
-              <a:buChar char="•"/>
-              <a:defRPr sz="1600" kern="1200">
-                <a:solidFill>
-                  <a:schemeClr val="dk1">
-                    <a:hueOff val="0"/>
-                    <a:satOff val="0"/>
-                    <a:lumOff val="0"/>
-                    <a:alphaOff val="0"/>
-                  </a:schemeClr>
-                </a:solidFill>
-                <a:latin typeface="+mn-lt"/>
-                <a:ea typeface="+mn-ea"/>
-                <a:cs typeface="+mn-cs"/>
-              </a:defRPr>
-            </a:lvl2pPr>
-            <a:lvl3pPr marL="685800" indent="-228600" algn="l" defTabSz="914400" rtl="0" eaLnBrk="1" latinLnBrk="0" hangingPunct="1">
-              <a:lnSpc>
-                <a:spcPct val="100000"/>
-              </a:lnSpc>
-              <a:spcBef>
-                <a:spcPts val="1000"/>
-              </a:spcBef>
-              <a:buClr>
-                <a:schemeClr val="accent2"/>
-              </a:buClr>
-              <a:buFont typeface="Arial" panose="020B0604020202020204" pitchFamily="34" charset="0"/>
-              <a:buChar char="•"/>
-              <a:defRPr sz="1600" kern="1200">
-                <a:solidFill>
-                  <a:schemeClr val="dk1">
-                    <a:hueOff val="0"/>
-                    <a:satOff val="0"/>
-                    <a:lumOff val="0"/>
-                    <a:alphaOff val="0"/>
-                  </a:schemeClr>
-                </a:solidFill>
-                <a:latin typeface="+mn-lt"/>
-                <a:ea typeface="+mn-ea"/>
-                <a:cs typeface="+mn-cs"/>
-              </a:defRPr>
-            </a:lvl3pPr>
-            <a:lvl4pPr marL="914400" indent="-228600" algn="l" defTabSz="914400" rtl="0" eaLnBrk="1" latinLnBrk="0" hangingPunct="1">
-              <a:lnSpc>
-                <a:spcPct val="100000"/>
-              </a:lnSpc>
-              <a:spcBef>
-                <a:spcPts val="1000"/>
-              </a:spcBef>
-              <a:buClr>
-                <a:schemeClr val="accent2"/>
-              </a:buClr>
-              <a:buFont typeface="Arial" panose="020B0604020202020204" pitchFamily="34" charset="0"/>
-              <a:buChar char="•"/>
-              <a:defRPr sz="1600" kern="1200">
-                <a:solidFill>
-                  <a:schemeClr val="dk1">
-                    <a:hueOff val="0"/>
-                    <a:satOff val="0"/>
-                    <a:lumOff val="0"/>
-                    <a:alphaOff val="0"/>
-                  </a:schemeClr>
-                </a:solidFill>
-                <a:latin typeface="+mn-lt"/>
-                <a:ea typeface="+mn-ea"/>
-                <a:cs typeface="+mn-cs"/>
-              </a:defRPr>
-            </a:lvl4pPr>
-            <a:lvl5pPr marL="1143000" indent="-228600" algn="l" defTabSz="914400" rtl="0" eaLnBrk="1" latinLnBrk="0" hangingPunct="1">
-              <a:lnSpc>
-                <a:spcPct val="100000"/>
-              </a:lnSpc>
-              <a:spcBef>
-                <a:spcPts val="1000"/>
-              </a:spcBef>
-              <a:buClr>
-                <a:schemeClr val="accent2"/>
-              </a:buClr>
-              <a:buFont typeface="Arial" panose="020B0604020202020204" pitchFamily="34" charset="0"/>
-              <a:buChar char="•"/>
-              <a:defRPr sz="1600" kern="1200">
-                <a:solidFill>
-                  <a:schemeClr val="dk1">
-                    <a:hueOff val="0"/>
-                    <a:satOff val="0"/>
-                    <a:lumOff val="0"/>
-                    <a:alphaOff val="0"/>
-                  </a:schemeClr>
-                </a:solidFill>
-                <a:latin typeface="+mn-lt"/>
-                <a:ea typeface="+mn-ea"/>
-                <a:cs typeface="+mn-cs"/>
-              </a:defRPr>
-            </a:lvl5pPr>
-            <a:lvl6pPr marL="1312863" indent="-228600" algn="l" defTabSz="914400" rtl="0" eaLnBrk="1" latinLnBrk="0" hangingPunct="1">
-              <a:lnSpc>
-                <a:spcPct val="100000"/>
-              </a:lnSpc>
-              <a:spcBef>
-                <a:spcPts val="1000"/>
-              </a:spcBef>
-              <a:buClr>
-                <a:schemeClr val="accent2"/>
-              </a:buClr>
-              <a:buFont typeface="Arial" panose="020B0604020202020204" pitchFamily="34" charset="0"/>
-              <a:buChar char="•"/>
-              <a:defRPr sz="1600" kern="1200">
-                <a:solidFill>
-                  <a:schemeClr val="dk1">
-                    <a:hueOff val="0"/>
-                    <a:satOff val="0"/>
-                    <a:lumOff val="0"/>
-                    <a:alphaOff val="0"/>
-                  </a:schemeClr>
-                </a:solidFill>
-                <a:latin typeface="+mn-lt"/>
-                <a:ea typeface="+mn-ea"/>
-                <a:cs typeface="+mn-cs"/>
-              </a:defRPr>
-            </a:lvl6pPr>
-            <a:lvl7pPr marL="1484313" indent="-228600" algn="l" defTabSz="914400" rtl="0" eaLnBrk="1" latinLnBrk="0" hangingPunct="1">
-              <a:lnSpc>
-                <a:spcPct val="100000"/>
-              </a:lnSpc>
-              <a:spcBef>
-                <a:spcPts val="1000"/>
-              </a:spcBef>
-              <a:buClr>
-                <a:schemeClr val="accent2"/>
-              </a:buClr>
-              <a:buFont typeface="Arial" panose="020B0604020202020204" pitchFamily="34" charset="0"/>
-              <a:buChar char="•"/>
-              <a:defRPr sz="1600" kern="1200">
-                <a:solidFill>
-                  <a:schemeClr val="dk1">
-                    <a:hueOff val="0"/>
-                    <a:satOff val="0"/>
-                    <a:lumOff val="0"/>
-                    <a:alphaOff val="0"/>
-                  </a:schemeClr>
-                </a:solidFill>
-                <a:latin typeface="+mn-lt"/>
-                <a:ea typeface="+mn-ea"/>
-                <a:cs typeface="+mn-cs"/>
-              </a:defRPr>
-            </a:lvl7pPr>
-            <a:lvl8pPr marL="1657350" indent="-228600" algn="l" defTabSz="914400" rtl="0" eaLnBrk="1" latinLnBrk="0" hangingPunct="1">
-              <a:lnSpc>
-                <a:spcPct val="100000"/>
-              </a:lnSpc>
-              <a:spcBef>
-                <a:spcPts val="1000"/>
-              </a:spcBef>
-              <a:buClr>
-                <a:schemeClr val="accent2"/>
-              </a:buClr>
-              <a:buFont typeface="Arial" panose="020B0604020202020204" pitchFamily="34" charset="0"/>
-              <a:buChar char="•"/>
-              <a:defRPr sz="1600" kern="1200" baseline="0">
-                <a:solidFill>
-                  <a:schemeClr val="dk1">
-                    <a:hueOff val="0"/>
-                    <a:satOff val="0"/>
-                    <a:lumOff val="0"/>
-                    <a:alphaOff val="0"/>
-                  </a:schemeClr>
-                </a:solidFill>
-                <a:latin typeface="+mn-lt"/>
-                <a:ea typeface="+mn-ea"/>
-                <a:cs typeface="+mn-cs"/>
-              </a:defRPr>
-            </a:lvl8pPr>
-            <a:lvl9pPr marL="1882775" indent="-228600" algn="l" defTabSz="914400" rtl="0" eaLnBrk="1" latinLnBrk="0" hangingPunct="1">
-              <a:lnSpc>
-                <a:spcPct val="100000"/>
-              </a:lnSpc>
-              <a:spcBef>
-                <a:spcPts val="1000"/>
-              </a:spcBef>
-              <a:buClr>
-                <a:schemeClr val="accent2"/>
-              </a:buClr>
-              <a:buFont typeface="Arial" panose="020B0604020202020204" pitchFamily="34" charset="0"/>
-              <a:buChar char="•"/>
-              <a:defRPr sz="1600" kern="1200" baseline="0">
-                <a:solidFill>
-                  <a:schemeClr val="dk1">
-                    <a:hueOff val="0"/>
-                    <a:satOff val="0"/>
-                    <a:lumOff val="0"/>
-                    <a:alphaOff val="0"/>
-                  </a:schemeClr>
-                </a:solidFill>
-                <a:latin typeface="+mn-lt"/>
-                <a:ea typeface="+mn-ea"/>
-                <a:cs typeface="+mn-cs"/>
-              </a:defRPr>
-            </a:lvl9pPr>
-          </a:lstStyle>
-          <a:p>
-            <a:pPr marL="0" indent="0">
-              <a:buNone/>
-            </a:pPr>
-            <a:r>
-              <a:rPr lang="de-DE" sz="4800" dirty="0">
-                <a:solidFill>
-                  <a:srgbClr val="00B0F0"/>
-                </a:solidFill>
-              </a:rPr>
-              <a:t>Eigenschaften</a:t>
-            </a:r>
-          </a:p>
-        </p:txBody>
-      </p:sp>
-    </p:spTree>
-    <p:extLst>
-      <p:ext uri="{BB962C8B-B14F-4D97-AF65-F5344CB8AC3E}">
-        <p14:creationId xmlns:p14="http://schemas.microsoft.com/office/powerpoint/2010/main" val="2824853318"/>
-      </p:ext>
-    </p:extLst>
-  </p:cSld>
-  <p:clrMapOvr>
-    <a:masterClrMapping/>
-  </p:clrMapOvr>
-  <p:timing>
-    <p:tnLst>
-      <p:par>
-        <p:cTn id="1" dur="indefinite" restart="never" nodeType="tmRoot">
-          <p:childTnLst>
-            <p:seq concurrent="1" nextAc="seek">
-              <p:cTn id="2" dur="indefinite" nodeType="mainSeq">
-                <p:childTnLst>
-                  <p:par>
-                    <p:cTn id="3" fill="hold">
-                      <p:stCondLst>
-                        <p:cond delay="indefinite"/>
-                      </p:stCondLst>
-                      <p:childTnLst>
-                        <p:par>
-                          <p:cTn id="4" fill="hold">
-                            <p:stCondLst>
-                              <p:cond delay="0"/>
-                            </p:stCondLst>
-                            <p:childTnLst>
-                              <p:par>
-                                <p:cTn id="5" presetID="1" presetClass="entr" presetSubtype="0" fill="hold" nodeType="clickEffect">
-                                  <p:stCondLst>
-                                    <p:cond delay="0"/>
-                                  </p:stCondLst>
-                                  <p:childTnLst>
-                                    <p:set>
-                                      <p:cBhvr>
-                                        <p:cTn id="6" dur="1" fill="hold">
-                                          <p:stCondLst>
-                                            <p:cond delay="0"/>
-                                          </p:stCondLst>
-                                        </p:cTn>
-                                        <p:tgtEl>
-                                          <p:spTgt spid="6">
-                                            <p:txEl>
-                                              <p:pRg st="0" end="0"/>
-                                            </p:txEl>
-                                          </p:spTgt>
-                                        </p:tgtEl>
-                                        <p:attrNameLst>
-                                          <p:attrName>style.visibility</p:attrName>
-                                        </p:attrNameLst>
-                                      </p:cBhvr>
-                                      <p:to>
-                                        <p:strVal val="visible"/>
-                                      </p:to>
-                                    </p:set>
-                                  </p:childTnLst>
-                                </p:cTn>
-                              </p:par>
-                            </p:childTnLst>
-                          </p:cTn>
-                        </p:par>
-                      </p:childTnLst>
-                    </p:cTn>
-                  </p:par>
-                  <p:par>
-                    <p:cTn id="7" fill="hold">
-                      <p:stCondLst>
-                        <p:cond delay="indefinite"/>
-                      </p:stCondLst>
-                      <p:childTnLst>
-                        <p:par>
-                          <p:cTn id="8" fill="hold">
-                            <p:stCondLst>
-                              <p:cond delay="0"/>
-                            </p:stCondLst>
-                            <p:childTnLst>
-                              <p:par>
-                                <p:cTn id="9" presetID="1" presetClass="entr" presetSubtype="0" fill="hold" nodeType="clickEffect">
-                                  <p:stCondLst>
-                                    <p:cond delay="0"/>
-                                  </p:stCondLst>
-                                  <p:childTnLst>
-                                    <p:set>
-                                      <p:cBhvr>
-                                        <p:cTn id="10" dur="1" fill="hold">
-                                          <p:stCondLst>
-                                            <p:cond delay="0"/>
-                                          </p:stCondLst>
-                                        </p:cTn>
-                                        <p:tgtEl>
-                                          <p:spTgt spid="6">
-                                            <p:txEl>
-                                              <p:pRg st="1" end="1"/>
-                                            </p:txEl>
-                                          </p:spTgt>
-                                        </p:tgtEl>
-                                        <p:attrNameLst>
-                                          <p:attrName>style.visibility</p:attrName>
-                                        </p:attrNameLst>
-                                      </p:cBhvr>
-                                      <p:to>
-                                        <p:strVal val="visible"/>
-                                      </p:to>
-                                    </p:set>
-                                  </p:childTnLst>
-                                </p:cTn>
-                              </p:par>
-                            </p:childTnLst>
-                          </p:cTn>
-                        </p:par>
-                      </p:childTnLst>
-                    </p:cTn>
-                  </p:par>
-                  <p:par>
-                    <p:cTn id="11" fill="hold">
-                      <p:stCondLst>
-                        <p:cond delay="indefinite"/>
-                      </p:stCondLst>
-                      <p:childTnLst>
-                        <p:par>
-                          <p:cTn id="12" fill="hold">
-                            <p:stCondLst>
-                              <p:cond delay="0"/>
-                            </p:stCondLst>
-                            <p:childTnLst>
-                              <p:par>
-                                <p:cTn id="13" presetID="1" presetClass="entr" presetSubtype="0" fill="hold" nodeType="clickEffect">
-                                  <p:stCondLst>
-                                    <p:cond delay="0"/>
-                                  </p:stCondLst>
-                                  <p:childTnLst>
-                                    <p:set>
-                                      <p:cBhvr>
-                                        <p:cTn id="14" dur="1" fill="hold">
-                                          <p:stCondLst>
-                                            <p:cond delay="0"/>
-                                          </p:stCondLst>
-                                        </p:cTn>
-                                        <p:tgtEl>
-                                          <p:spTgt spid="6">
-                                            <p:txEl>
-                                              <p:pRg st="2" end="2"/>
-                                            </p:txEl>
-                                          </p:spTgt>
-                                        </p:tgtEl>
-                                        <p:attrNameLst>
-                                          <p:attrName>style.visibility</p:attrName>
-                                        </p:attrNameLst>
-                                      </p:cBhvr>
-                                      <p:to>
-                                        <p:strVal val="visible"/>
-                                      </p:to>
-                                    </p:set>
-                                  </p:childTnLst>
-                                </p:cTn>
-                              </p:par>
-                            </p:childTnLst>
-                          </p:cTn>
-                        </p:par>
-                      </p:childTnLst>
-                    </p:cTn>
-                  </p:par>
-                  <p:par>
-                    <p:cTn id="15" fill="hold">
-                      <p:stCondLst>
-                        <p:cond delay="indefinite"/>
-                      </p:stCondLst>
-                      <p:childTnLst>
-                        <p:par>
-                          <p:cTn id="16" fill="hold">
-                            <p:stCondLst>
-                              <p:cond delay="0"/>
-                            </p:stCondLst>
-                            <p:childTnLst>
-                              <p:par>
-                                <p:cTn id="17" presetID="1" presetClass="entr" presetSubtype="0" fill="hold" nodeType="clickEffect">
-                                  <p:stCondLst>
-                                    <p:cond delay="0"/>
-                                  </p:stCondLst>
-                                  <p:childTnLst>
-                                    <p:set>
-                                      <p:cBhvr>
-                                        <p:cTn id="18" dur="1" fill="hold">
-                                          <p:stCondLst>
-                                            <p:cond delay="0"/>
-                                          </p:stCondLst>
-                                        </p:cTn>
-                                        <p:tgtEl>
-                                          <p:spTgt spid="6">
-                                            <p:txEl>
-                                              <p:pRg st="3" end="3"/>
-                                            </p:txEl>
-                                          </p:spTgt>
-                                        </p:tgtEl>
-                                        <p:attrNameLst>
-                                          <p:attrName>style.visibility</p:attrName>
-                                        </p:attrNameLst>
-                                      </p:cBhvr>
-                                      <p:to>
-                                        <p:strVal val="visible"/>
-                                      </p:to>
-                                    </p:set>
-                                  </p:childTnLst>
-                                </p:cTn>
-                              </p:par>
-                            </p:childTnLst>
-                          </p:cTn>
-                        </p:par>
-                      </p:childTnLst>
-                    </p:cTn>
-                  </p:par>
-                  <p:par>
-                    <p:cTn id="19" fill="hold">
-                      <p:stCondLst>
-                        <p:cond delay="indefinite"/>
-                      </p:stCondLst>
-                      <p:childTnLst>
-                        <p:par>
-                          <p:cTn id="20" fill="hold">
-                            <p:stCondLst>
-                              <p:cond delay="0"/>
-                            </p:stCondLst>
-                            <p:childTnLst>
-                              <p:par>
-                                <p:cTn id="21" presetID="1" presetClass="entr" presetSubtype="0" fill="hold" nodeType="clickEffect">
-                                  <p:stCondLst>
-                                    <p:cond delay="0"/>
-                                  </p:stCondLst>
-                                  <p:childTnLst>
-                                    <p:set>
-                                      <p:cBhvr>
-                                        <p:cTn id="22" dur="1" fill="hold">
-                                          <p:stCondLst>
-                                            <p:cond delay="0"/>
-                                          </p:stCondLst>
-                                        </p:cTn>
-                                        <p:tgtEl>
-                                          <p:spTgt spid="6">
-                                            <p:txEl>
-                                              <p:pRg st="4" end="4"/>
-                                            </p:txEl>
-                                          </p:spTgt>
-                                        </p:tgtEl>
-                                        <p:attrNameLst>
-                                          <p:attrName>style.visibility</p:attrName>
-                                        </p:attrNameLst>
-                                      </p:cBhvr>
-                                      <p:to>
-                                        <p:strVal val="visible"/>
-                                      </p:to>
-                                    </p:set>
-                                  </p:childTnLst>
-                                </p:cTn>
-                              </p:par>
-                            </p:childTnLst>
-                          </p:cTn>
-                        </p:par>
-                      </p:childTnLst>
-                    </p:cTn>
-                  </p:par>
-                </p:childTnLst>
-              </p:cTn>
-              <p:prevCondLst>
-                <p:cond evt="onPrev" delay="0">
-                  <p:tgtEl>
-                    <p:sldTgt/>
-                  </p:tgtEl>
-                </p:cond>
-              </p:prevCondLst>
-              <p:nextCondLst>
-                <p:cond evt="onNext" delay="0">
-                  <p:tgtEl>
-                    <p:sldTgt/>
-                  </p:tgtEl>
-                </p:cond>
-              </p:nextCondLst>
-            </p:seq>
-          </p:childTnLst>
-        </p:cTn>
-      </p:par>
-    </p:tnLst>
-  </p:timing>
-</p:sld>
-</file>
-
-<file path=ppt/slides/slide40.xml><?xml version="1.0" encoding="utf-8"?>
+<file path=ppt/slides/slide42.xml><?xml version="1.0" encoding="utf-8"?>
 <p:sld xmlns:a="http://schemas.openxmlformats.org/drawingml/2006/main" xmlns:r="http://schemas.openxmlformats.org/officeDocument/2006/relationships" xmlns:p="http://schemas.openxmlformats.org/presentationml/2006/main">
   <p:cSld>
     <p:spTree>
@@ -34807,7 +35323,7 @@
 </p:sld>
 </file>
 
-<file path=ppt/slides/slide41.xml><?xml version="1.0" encoding="utf-8"?>
+<file path=ppt/slides/slide43.xml><?xml version="1.0" encoding="utf-8"?>
 <p:sld xmlns:a="http://schemas.openxmlformats.org/drawingml/2006/main" xmlns:r="http://schemas.openxmlformats.org/officeDocument/2006/relationships" xmlns:p="http://schemas.openxmlformats.org/presentationml/2006/main">
   <p:cSld>
     <p:bg>
@@ -34929,7 +35445,7 @@
         <p:spPr>
           <a:xfrm>
             <a:off x="1274323" y="1429966"/>
-            <a:ext cx="9643354" cy="3416320"/>
+            <a:ext cx="9643354" cy="4524315"/>
           </a:xfrm>
           <a:prstGeom prst="rect">
             <a:avLst/>
@@ -34975,7 +35491,7 @@
                   <a:schemeClr val="bg1"/>
                 </a:solidFill>
               </a:rPr>
-              <a:t> </a:t>
+              <a:t>  </a:t>
             </a:r>
           </a:p>
           <a:p>
@@ -34991,6 +35507,29 @@
                 <a:hlinkClick r:id="rId3"/>
               </a:rPr>
               <a:t>https://www.wikipedia.org</a:t>
+            </a:r>
+            <a:r>
+              <a:rPr lang="de-AT" sz="2400" dirty="0">
+                <a:solidFill>
+                  <a:schemeClr val="bg1"/>
+                </a:solidFill>
+              </a:rPr>
+              <a:t>  </a:t>
+            </a:r>
+          </a:p>
+          <a:p>
+            <a:pPr marL="285750" indent="-285750">
+              <a:buFont typeface="Arial" panose="020B0604020202020204" pitchFamily="34" charset="0"/>
+              <a:buChar char="•"/>
+            </a:pPr>
+            <a:r>
+              <a:rPr lang="de-AT" sz="2400" dirty="0">
+                <a:solidFill>
+                  <a:schemeClr val="bg1"/>
+                </a:solidFill>
+                <a:hlinkClick r:id="rId4"/>
+              </a:rPr>
+              <a:t>https://banking.raiffeisen.at/web/publicrbg/teletraderdetails?wsrp_ttroute=%2FRaiffeisenRelaunch_Staging%2Fstock%2Ffigures%2Ftts-26000027</a:t>
             </a:r>
             <a:r>
               <a:rPr lang="de-AT" sz="2400" dirty="0">
@@ -35008,11 +35547,21 @@
             </a:pPr>
             <a:r>
               <a:rPr lang="de-AT" sz="2400" dirty="0">
-                <a:hlinkClick r:id="rId4"/>
+                <a:solidFill>
+                  <a:schemeClr val="bg1"/>
+                </a:solidFill>
+                <a:hlinkClick r:id="rId5"/>
               </a:rPr>
-              <a:t>https://banking.raiffeisen.at/web/publicrbg/teletraderdetails?wsrp_ttroute=%2FRaiffeisenRelaunch_Staging%2Fstock%2Ffigures%2Ftts-26000027</a:t>
+              <a:t>https://www.lbg.at/servicecenter/rechtsformen_gr%C3%BCndung_planung_controlling_steuern_sv_pr%C3%BCfung/planung_controlling/wichtige_betriebswirtschaftliche_kennzahlen/index_ger.html</a:t>
             </a:r>
-            <a:endParaRPr lang="de-AT" sz="2400" dirty="0"/>
+            <a:r>
+              <a:rPr lang="de-AT" sz="2400" dirty="0">
+                <a:solidFill>
+                  <a:schemeClr val="bg1"/>
+                </a:solidFill>
+              </a:rPr>
+              <a:t> </a:t>
+            </a:r>
           </a:p>
           <a:p>
             <a:pPr marL="285750" indent="-285750">
@@ -35020,16 +35569,45 @@
               <a:buChar char="•"/>
             </a:pPr>
             <a:r>
-              <a:rPr lang="de-AT" sz="2400">
-                <a:hlinkClick r:id="rId5"/>
+              <a:rPr lang="de-AT" sz="2400" dirty="0">
+                <a:solidFill>
+                  <a:schemeClr val="bg1"/>
+                </a:solidFill>
+                <a:hlinkClick r:id="rId6"/>
               </a:rPr>
-              <a:t>https://www.lbg.at/servicecenter/rechtsformen_gr%C3%BCndung_planung_controlling_steuern_sv_pr%C3%BCfung/planung_controlling/wichtige_betriebswirtschaftliche_kennzahlen/index_ger.html</a:t>
+              <a:t>https://blog.de.erste-am.com/das-jahr-2019-war-und-ist-bei-technologie-aktien-ein-uebergangsjahr/</a:t>
             </a:r>
-            <a:endParaRPr lang="de-AT" sz="2400" dirty="0">
-              <a:solidFill>
-                <a:schemeClr val="bg1"/>
-              </a:solidFill>
-            </a:endParaRPr>
+            <a:r>
+              <a:rPr lang="de-AT" sz="2400" dirty="0">
+                <a:solidFill>
+                  <a:schemeClr val="bg1"/>
+                </a:solidFill>
+              </a:rPr>
+              <a:t> </a:t>
+            </a:r>
+          </a:p>
+          <a:p>
+            <a:pPr marL="285750" indent="-285750">
+              <a:buFont typeface="Arial" panose="020B0604020202020204" pitchFamily="34" charset="0"/>
+              <a:buChar char="•"/>
+            </a:pPr>
+            <a:r>
+              <a:rPr lang="de-AT" sz="2400" dirty="0">
+                <a:solidFill>
+                  <a:schemeClr val="bg1"/>
+                </a:solidFill>
+                <a:hlinkClick r:id="rId7"/>
+              </a:rPr>
+              <a:t>https://sevdesk.at/lexikon/roi-return-on-investment/</a:t>
+            </a:r>
+            <a:r>
+              <a:rPr lang="de-AT" sz="2400" dirty="0">
+                <a:solidFill>
+                  <a:schemeClr val="bg1"/>
+                </a:solidFill>
+              </a:rPr>
+              <a:t> </a:t>
+            </a:r>
           </a:p>
         </p:txBody>
       </p:sp>
@@ -35046,7 +35624,7 @@
 </p:sld>
 </file>
 
-<file path=ppt/slides/slide42.xml><?xml version="1.0" encoding="utf-8"?>
+<file path=ppt/slides/slide44.xml><?xml version="1.0" encoding="utf-8"?>
 <p:sld xmlns:a="http://schemas.openxmlformats.org/drawingml/2006/main" xmlns:r="http://schemas.openxmlformats.org/officeDocument/2006/relationships" xmlns:p="http://schemas.openxmlformats.org/presentationml/2006/main">
   <p:cSld>
     <p:bg>
@@ -35127,7 +35705,7 @@
 </p:sld>
 </file>
 
-<file path=ppt/slides/slide43.xml><?xml version="1.0" encoding="utf-8"?>
+<file path=ppt/slides/slide45.xml><?xml version="1.0" encoding="utf-8"?>
 <p:sld xmlns:a="http://schemas.openxmlformats.org/drawingml/2006/main" xmlns:r="http://schemas.openxmlformats.org/officeDocument/2006/relationships" xmlns:p="http://schemas.openxmlformats.org/presentationml/2006/main">
   <p:cSld>
     <p:bg>
@@ -35165,7 +35743,7 @@
 </p:sld>
 </file>
 
-<file path=ppt/slides/slide44.xml><?xml version="1.0" encoding="utf-8"?>
+<file path=ppt/slides/slide46.xml><?xml version="1.0" encoding="utf-8"?>
 <p:sld xmlns:a="http://schemas.openxmlformats.org/drawingml/2006/main" xmlns:r="http://schemas.openxmlformats.org/officeDocument/2006/relationships" xmlns:p="http://schemas.openxmlformats.org/presentationml/2006/main" show="0">
   <p:cSld>
     <p:bg>
@@ -42235,6 +42813,24 @@
 </file>
 
 <file path=customXml/item1.xml><?xml version="1.0" encoding="utf-8"?>
+<?mso-contentType ?>
+<FormTemplates xmlns="http://schemas.microsoft.com/sharepoint/v3/contenttype/forms">
+  <Display>DocumentLibraryForm</Display>
+  <Edit>DocumentLibraryForm</Edit>
+  <New>DocumentLibraryForm</New>
+</FormTemplates>
+</file>
+
+<file path=customXml/item2.xml><?xml version="1.0" encoding="utf-8"?>
+<p:properties xmlns:p="http://schemas.microsoft.com/office/2006/metadata/properties" xmlns:xsi="http://www.w3.org/2001/XMLSchema-instance" xmlns:pc="http://schemas.microsoft.com/office/infopath/2007/PartnerControls">
+  <documentManagement>
+    <MediaServiceKeyPoints xmlns="71af3243-3dd4-4a8d-8c0d-dd76da1f02a5" xsi:nil="true"/>
+    <Status xmlns="71af3243-3dd4-4a8d-8c0d-dd76da1f02a5">Not started</Status>
+  </documentManagement>
+</p:properties>
+</file>
+
+<file path=customXml/item3.xml><?xml version="1.0" encoding="utf-8"?>
 <ct:contentTypeSchema xmlns:ct="http://schemas.microsoft.com/office/2006/metadata/contentType" xmlns:ma="http://schemas.microsoft.com/office/2006/metadata/properties/metaAttributes" ct:_="" ma:_="" ma:contentTypeName="Document" ma:contentTypeID="0x01010079F111ED35F8CC479449609E8A0923A6" ma:contentTypeVersion="12" ma:contentTypeDescription="Create a new document." ma:contentTypeScope="" ma:versionID="b385d60f68dd989dca1fdc827799d853">
   <xsd:schema xmlns:xsd="http://www.w3.org/2001/XMLSchema" xmlns:xs="http://www.w3.org/2001/XMLSchema" xmlns:p="http://schemas.microsoft.com/office/2006/metadata/properties" xmlns:ns2="71af3243-3dd4-4a8d-8c0d-dd76da1f02a5" xmlns:ns3="16c05727-aa75-4e4a-9b5f-8a80a1165891" targetNamespace="http://schemas.microsoft.com/office/2006/metadata/properties" ma:root="true" ma:fieldsID="1911b479caf7b199da365455750e4572" ns2:_="" ns3:_="">
     <xsd:import namespace="71af3243-3dd4-4a8d-8c0d-dd76da1f02a5"/>
@@ -42455,25 +43051,32 @@
 </ct:contentTypeSchema>
 </file>
 
-<file path=customXml/item2.xml><?xml version="1.0" encoding="utf-8"?>
-<?mso-contentType ?>
-<FormTemplates xmlns="http://schemas.microsoft.com/sharepoint/v3/contenttype/forms">
-  <Display>DocumentLibraryForm</Display>
-  <Edit>DocumentLibraryForm</Edit>
-  <New>DocumentLibraryForm</New>
-</FormTemplates>
+<file path=customXml/itemProps1.xml><?xml version="1.0" encoding="utf-8"?>
+<ds:datastoreItem xmlns:ds="http://schemas.openxmlformats.org/officeDocument/2006/customXml" ds:itemID="{E7235C91-959C-45D9-B60A-005B894ACEE3}">
+  <ds:schemaRefs>
+    <ds:schemaRef ds:uri="http://schemas.microsoft.com/sharepoint/v3/contenttype/forms"/>
+  </ds:schemaRefs>
+</ds:datastoreItem>
 </file>
 
-<file path=customXml/item3.xml><?xml version="1.0" encoding="utf-8"?>
-<p:properties xmlns:p="http://schemas.microsoft.com/office/2006/metadata/properties" xmlns:xsi="http://www.w3.org/2001/XMLSchema-instance" xmlns:pc="http://schemas.microsoft.com/office/infopath/2007/PartnerControls">
-  <documentManagement>
-    <MediaServiceKeyPoints xmlns="71af3243-3dd4-4a8d-8c0d-dd76da1f02a5" xsi:nil="true"/>
-    <Status xmlns="71af3243-3dd4-4a8d-8c0d-dd76da1f02a5">Not started</Status>
-  </documentManagement>
-</p:properties>
+<file path=customXml/itemProps2.xml><?xml version="1.0" encoding="utf-8"?>
+<ds:datastoreItem xmlns:ds="http://schemas.openxmlformats.org/officeDocument/2006/customXml" ds:itemID="{69E38AEF-4E2D-4D00-9707-4356DDB77317}">
+  <ds:schemaRefs>
+    <ds:schemaRef ds:uri="http://schemas.microsoft.com/office/2006/documentManagement/types"/>
+    <ds:schemaRef ds:uri="16c05727-aa75-4e4a-9b5f-8a80a1165891"/>
+    <ds:schemaRef ds:uri="http://www.w3.org/XML/1998/namespace"/>
+    <ds:schemaRef ds:uri="http://purl.org/dc/dcmitype/"/>
+    <ds:schemaRef ds:uri="http://purl.org/dc/terms/"/>
+    <ds:schemaRef ds:uri="http://purl.org/dc/elements/1.1/"/>
+    <ds:schemaRef ds:uri="http://schemas.microsoft.com/office/infopath/2007/PartnerControls"/>
+    <ds:schemaRef ds:uri="http://schemas.openxmlformats.org/package/2006/metadata/core-properties"/>
+    <ds:schemaRef ds:uri="71af3243-3dd4-4a8d-8c0d-dd76da1f02a5"/>
+    <ds:schemaRef ds:uri="http://schemas.microsoft.com/office/2006/metadata/properties"/>
+  </ds:schemaRefs>
+</ds:datastoreItem>
 </file>
 
-<file path=customXml/itemProps1.xml><?xml version="1.0" encoding="utf-8"?>
+<file path=customXml/itemProps3.xml><?xml version="1.0" encoding="utf-8"?>
 <ds:datastoreItem xmlns:ds="http://schemas.openxmlformats.org/officeDocument/2006/customXml" ds:itemID="{1EF06AFC-006B-4BB6-8B59-5A9E1B0534F1}">
   <ds:schemaRefs>
     <ds:schemaRef ds:uri="http://schemas.microsoft.com/office/2006/metadata/contentType"/>
@@ -42490,29 +43093,4 @@
     <ds:schemaRef ds:uri="http://schemas.microsoft.com/internal/obd"/>
   </ds:schemaRefs>
 </ds:datastoreItem>
-</file>
-
-<file path=customXml/itemProps2.xml><?xml version="1.0" encoding="utf-8"?>
-<ds:datastoreItem xmlns:ds="http://schemas.openxmlformats.org/officeDocument/2006/customXml" ds:itemID="{E7235C91-959C-45D9-B60A-005B894ACEE3}">
-  <ds:schemaRefs>
-    <ds:schemaRef ds:uri="http://schemas.microsoft.com/sharepoint/v3/contenttype/forms"/>
-  </ds:schemaRefs>
-</ds:datastoreItem>
-</file>
-
-<file path=customXml/itemProps3.xml><?xml version="1.0" encoding="utf-8"?>
-<ds:datastoreItem xmlns:ds="http://schemas.openxmlformats.org/officeDocument/2006/customXml" ds:itemID="{69E38AEF-4E2D-4D00-9707-4356DDB77317}">
-  <ds:schemaRefs>
-    <ds:schemaRef ds:uri="http://schemas.microsoft.com/office/2006/documentManagement/types"/>
-    <ds:schemaRef ds:uri="16c05727-aa75-4e4a-9b5f-8a80a1165891"/>
-    <ds:schemaRef ds:uri="http://www.w3.org/XML/1998/namespace"/>
-    <ds:schemaRef ds:uri="http://purl.org/dc/dcmitype/"/>
-    <ds:schemaRef ds:uri="http://purl.org/dc/terms/"/>
-    <ds:schemaRef ds:uri="http://purl.org/dc/elements/1.1/"/>
-    <ds:schemaRef ds:uri="http://schemas.microsoft.com/office/infopath/2007/PartnerControls"/>
-    <ds:schemaRef ds:uri="http://schemas.openxmlformats.org/package/2006/metadata/core-properties"/>
-    <ds:schemaRef ds:uri="71af3243-3dd4-4a8d-8c0d-dd76da1f02a5"/>
-    <ds:schemaRef ds:uri="http://schemas.microsoft.com/office/2006/metadata/properties"/>
-  </ds:schemaRefs>
-</ds:datastoreItem>
 </file>